--- a/Video Ver1/Video PPT/10. Foreign Key.pptx
+++ b/Video Ver1/Video PPT/10. Foreign Key.pptx
@@ -113,7 +113,7 @@
   </p:defaultTextStyle>
   <p:extLst>
     <p:ext uri="{521415D9-36F7-43E2-AB2F-B90AF26B5E84}">
-      <p14:sectionLst xmlns:p14="http://schemas.microsoft.com/office/powerpoint/2010/main" xmlns="">
+      <p14:sectionLst xmlns="" xmlns:p14="http://schemas.microsoft.com/office/powerpoint/2010/main">
         <p14:section name="Introduction" id="{A3D14946-8297-4856-B082-4FEFA482017C}">
           <p14:sldIdLst>
             <p14:sldId id="282"/>
@@ -754,7 +754,7 @@
       </p14:sectionLst>
     </p:ext>
     <p:ext uri="{EFAFB233-063F-42B5-8137-9DF3F51BA10A}">
-      <p15:sldGuideLst xmlns:p15="http://schemas.microsoft.com/office/powerpoint/2012/main" xmlns="">
+      <p15:sldGuideLst xmlns="" xmlns:p15="http://schemas.microsoft.com/office/powerpoint/2012/main">
         <p15:guide id="1" orient="horz" pos="2160">
           <p15:clr>
             <a:srgbClr val="A4A3A4"/>
@@ -776,7 +776,7 @@
   <p:cmAuthor id="1" name="Saleel" initials="S" lastIdx="1" clrIdx="0">
     <p:extLst>
       <p:ext uri="{19B8F6BF-5375-455C-9EA6-DF929625EA0E}">
-        <p15:presenceInfo xmlns:p15="http://schemas.microsoft.com/office/powerpoint/2012/main" xmlns="" userId="Saleel" providerId="None"/>
+        <p15:presenceInfo xmlns="" xmlns:p15="http://schemas.microsoft.com/office/powerpoint/2012/main" userId="Saleel" providerId="None"/>
       </p:ext>
     </p:extLst>
   </p:cmAuthor>
@@ -866,7 +866,7 @@
             <a:fld id="{4DF51050-3720-483B-B552-57DC1341D582}" type="datetimeFigureOut">
               <a:rPr lang="en-US" smtClean="0"/>
               <a:pPr/>
-              <a:t>6/4/2020</a:t>
+              <a:t>6/18/2020</a:t>
             </a:fld>
             <a:endParaRPr lang="en-US"/>
           </a:p>
@@ -1325,7 +1325,7 @@
             <a:fld id="{EEE556E8-492E-4E8F-8E7F-7A7787724D01}" type="datetimeFigureOut">
               <a:rPr lang="en-US" smtClean="0"/>
               <a:pPr/>
-              <a:t>6/4/2020</a:t>
+              <a:t>6/18/2020</a:t>
             </a:fld>
             <a:endParaRPr lang="en-US"/>
           </a:p>
@@ -1530,7 +1530,7 @@
             <a:fld id="{EEE556E8-492E-4E8F-8E7F-7A7787724D01}" type="datetimeFigureOut">
               <a:rPr lang="en-US" smtClean="0"/>
               <a:pPr/>
-              <a:t>6/4/2020</a:t>
+              <a:t>6/18/2020</a:t>
             </a:fld>
             <a:endParaRPr lang="en-US"/>
           </a:p>
@@ -1735,7 +1735,7 @@
             <a:fld id="{EEE556E8-492E-4E8F-8E7F-7A7787724D01}" type="datetimeFigureOut">
               <a:rPr lang="en-US" smtClean="0"/>
               <a:pPr/>
-              <a:t>6/4/2020</a:t>
+              <a:t>6/18/2020</a:t>
             </a:fld>
             <a:endParaRPr lang="en-US"/>
           </a:p>
@@ -1940,7 +1940,7 @@
             <a:fld id="{EEE556E8-492E-4E8F-8E7F-7A7787724D01}" type="datetimeFigureOut">
               <a:rPr lang="en-US" smtClean="0"/>
               <a:pPr/>
-              <a:t>6/4/2020</a:t>
+              <a:t>6/18/2020</a:t>
             </a:fld>
             <a:endParaRPr lang="en-US"/>
           </a:p>
@@ -2212,7 +2212,7 @@
             <a:fld id="{EEE556E8-492E-4E8F-8E7F-7A7787724D01}" type="datetimeFigureOut">
               <a:rPr lang="en-US" smtClean="0"/>
               <a:pPr/>
-              <a:t>6/4/2020</a:t>
+              <a:t>6/18/2020</a:t>
             </a:fld>
             <a:endParaRPr lang="en-US"/>
           </a:p>
@@ -2532,7 +2532,7 @@
             <a:fld id="{EEE556E8-492E-4E8F-8E7F-7A7787724D01}" type="datetimeFigureOut">
               <a:rPr lang="en-US" smtClean="0"/>
               <a:pPr/>
-              <a:t>6/4/2020</a:t>
+              <a:t>6/18/2020</a:t>
             </a:fld>
             <a:endParaRPr lang="en-US"/>
           </a:p>
@@ -2992,7 +2992,7 @@
             <a:fld id="{EEE556E8-492E-4E8F-8E7F-7A7787724D01}" type="datetimeFigureOut">
               <a:rPr lang="en-US" smtClean="0"/>
               <a:pPr/>
-              <a:t>6/4/2020</a:t>
+              <a:t>6/18/2020</a:t>
             </a:fld>
             <a:endParaRPr lang="en-US"/>
           </a:p>
@@ -3138,7 +3138,7 @@
             <a:fld id="{EEE556E8-492E-4E8F-8E7F-7A7787724D01}" type="datetimeFigureOut">
               <a:rPr lang="en-US" smtClean="0"/>
               <a:pPr/>
-              <a:t>6/4/2020</a:t>
+              <a:t>6/18/2020</a:t>
             </a:fld>
             <a:endParaRPr lang="en-US"/>
           </a:p>
@@ -3468,7 +3468,7 @@
             <a:fld id="{EEE556E8-492E-4E8F-8E7F-7A7787724D01}" type="datetimeFigureOut">
               <a:rPr lang="en-US" smtClean="0"/>
               <a:pPr/>
-              <a:t>6/4/2020</a:t>
+              <a:t>6/18/2020</a:t>
             </a:fld>
             <a:endParaRPr lang="en-US"/>
           </a:p>
@@ -3750,7 +3750,7 @@
             <a:fld id="{EEE556E8-492E-4E8F-8E7F-7A7787724D01}" type="datetimeFigureOut">
               <a:rPr lang="en-US" smtClean="0"/>
               <a:pPr/>
-              <a:t>6/4/2020</a:t>
+              <a:t>6/18/2020</a:t>
             </a:fld>
             <a:endParaRPr lang="en-US"/>
           </a:p>
@@ -4136,7 +4136,7 @@
           <p:cNvPr id="8" name="Picture 7">
             <a:extLst>
               <a:ext uri="{FF2B5EF4-FFF2-40B4-BE49-F238E27FC236}">
-                <a16:creationId xmlns:a16="http://schemas.microsoft.com/office/drawing/2014/main" xmlns="" id="{FF24E983-0C73-4002-AA14-199E8763DD65}"/>
+                <a16:creationId xmlns="" xmlns:a16="http://schemas.microsoft.com/office/drawing/2014/main" id="{FF24E983-0C73-4002-AA14-199E8763DD65}"/>
               </a:ext>
             </a:extLst>
           </p:cNvPr>
@@ -4149,7 +4149,7 @@
           <a:blip r:embed="rId2" cstate="print">
             <a:extLst>
               <a:ext uri="{28A0092B-C50C-407E-A947-70E740481C1C}">
-                <a14:useLocalDpi xmlns:a14="http://schemas.microsoft.com/office/drawing/2010/main" xmlns="" val="0"/>
+                <a14:useLocalDpi xmlns="" xmlns:a14="http://schemas.microsoft.com/office/drawing/2010/main" val="0"/>
               </a:ext>
             </a:extLst>
           </a:blip>
@@ -4172,7 +4172,7 @@
           <p:cNvPr id="7" name="Footer Placeholder 2">
             <a:extLst>
               <a:ext uri="{FF2B5EF4-FFF2-40B4-BE49-F238E27FC236}">
-                <a16:creationId xmlns:a16="http://schemas.microsoft.com/office/drawing/2014/main" xmlns="" id="{E14F7621-66C5-47D6-A8C7-2B6C3CD2205A}"/>
+                <a16:creationId xmlns="" xmlns:a16="http://schemas.microsoft.com/office/drawing/2014/main" id="{E14F7621-66C5-47D6-A8C7-2B6C3CD2205A}"/>
               </a:ext>
             </a:extLst>
           </p:cNvPr>
@@ -4454,7 +4454,7 @@
     </p:spTree>
     <p:extLst>
       <p:ext uri="{BB962C8B-B14F-4D97-AF65-F5344CB8AC3E}">
-        <p14:creationId xmlns:p14="http://schemas.microsoft.com/office/powerpoint/2010/main" xmlns="" val="2547664928"/>
+        <p14:creationId xmlns="" xmlns:p14="http://schemas.microsoft.com/office/powerpoint/2010/main" val="2547664928"/>
       </p:ext>
     </p:extLst>
   </p:cSld>
@@ -4559,7 +4559,7 @@
           <p:cNvPr id="8" name="Picture 7">
             <a:extLst>
               <a:ext uri="{FF2B5EF4-FFF2-40B4-BE49-F238E27FC236}">
-                <a16:creationId xmlns:a16="http://schemas.microsoft.com/office/drawing/2014/main" xmlns="" id="{CA300AF8-3A8B-41EE-96B3-AEAC198AD8CA}"/>
+                <a16:creationId xmlns="" xmlns:a16="http://schemas.microsoft.com/office/drawing/2014/main" id="{CA300AF8-3A8B-41EE-96B3-AEAC198AD8CA}"/>
               </a:ext>
             </a:extLst>
           </p:cNvPr>
@@ -4572,7 +4572,7 @@
           <a:blip r:embed="rId2" cstate="print">
             <a:extLst>
               <a:ext uri="{28A0092B-C50C-407E-A947-70E740481C1C}">
-                <a14:useLocalDpi xmlns:a14="http://schemas.microsoft.com/office/drawing/2010/main" xmlns="" val="0"/>
+                <a14:useLocalDpi xmlns="" xmlns:a14="http://schemas.microsoft.com/office/drawing/2010/main" val="0"/>
               </a:ext>
             </a:extLst>
           </a:blip>
@@ -4595,7 +4595,7 @@
           <p:cNvPr id="9" name="Footer Placeholder 2">
             <a:extLst>
               <a:ext uri="{FF2B5EF4-FFF2-40B4-BE49-F238E27FC236}">
-                <a16:creationId xmlns:a16="http://schemas.microsoft.com/office/drawing/2014/main" xmlns="" id="{49968677-CC8A-4C35-AABA-97CFF73A1AB5}"/>
+                <a16:creationId xmlns="" xmlns:a16="http://schemas.microsoft.com/office/drawing/2014/main" id="{49968677-CC8A-4C35-AABA-97CFF73A1AB5}"/>
               </a:ext>
             </a:extLst>
           </p:cNvPr>
@@ -4727,7 +4727,7 @@
           <p:cNvPr id="10" name="Rectangle 9">
             <a:extLst>
               <a:ext uri="{FF2B5EF4-FFF2-40B4-BE49-F238E27FC236}">
-                <a16:creationId xmlns:a16="http://schemas.microsoft.com/office/drawing/2014/main" xmlns="" id="{09A4DD51-F450-4FA7-BA18-C2A26D10D72C}"/>
+                <a16:creationId xmlns="" xmlns:a16="http://schemas.microsoft.com/office/drawing/2014/main" id="{09A4DD51-F450-4FA7-BA18-C2A26D10D72C}"/>
               </a:ext>
             </a:extLst>
           </p:cNvPr>
@@ -4770,7 +4770,7 @@
           <p:cNvPr id="12" name="Rectangle 11">
             <a:extLst>
               <a:ext uri="{FF2B5EF4-FFF2-40B4-BE49-F238E27FC236}">
-                <a16:creationId xmlns:a16="http://schemas.microsoft.com/office/drawing/2014/main" xmlns="" id="{63045821-95B0-4EF7-B515-933F86C0D2DA}"/>
+                <a16:creationId xmlns="" xmlns:a16="http://schemas.microsoft.com/office/drawing/2014/main" id="{63045821-95B0-4EF7-B515-933F86C0D2DA}"/>
               </a:ext>
             </a:extLst>
           </p:cNvPr>
@@ -5053,7 +5053,7 @@
     </p:spTree>
     <p:extLst>
       <p:ext uri="{BB962C8B-B14F-4D97-AF65-F5344CB8AC3E}">
-        <p14:creationId xmlns:p14="http://schemas.microsoft.com/office/powerpoint/2010/main" xmlns="" val="2850906017"/>
+        <p14:creationId xmlns="" xmlns:p14="http://schemas.microsoft.com/office/powerpoint/2010/main" val="2850906017"/>
       </p:ext>
     </p:extLst>
   </p:cSld>
@@ -5210,7 +5210,7 @@
           <p:cNvPr id="5" name="Picture 4">
             <a:extLst>
               <a:ext uri="{FF2B5EF4-FFF2-40B4-BE49-F238E27FC236}">
-                <a16:creationId xmlns:a16="http://schemas.microsoft.com/office/drawing/2014/main" xmlns="" id="{508B0317-559F-472C-B452-0762ADEBE614}"/>
+                <a16:creationId xmlns="" xmlns:a16="http://schemas.microsoft.com/office/drawing/2014/main" id="{508B0317-559F-472C-B452-0762ADEBE614}"/>
               </a:ext>
             </a:extLst>
           </p:cNvPr>
@@ -5223,7 +5223,7 @@
           <a:blip r:embed="rId2" cstate="print">
             <a:extLst>
               <a:ext uri="{28A0092B-C50C-407E-A947-70E740481C1C}">
-                <a14:useLocalDpi xmlns:a14="http://schemas.microsoft.com/office/drawing/2010/main" xmlns="" val="0"/>
+                <a14:useLocalDpi xmlns="" xmlns:a14="http://schemas.microsoft.com/office/drawing/2010/main" val="0"/>
               </a:ext>
             </a:extLst>
           </a:blip>
@@ -5246,7 +5246,7 @@
           <p:cNvPr id="8" name="Footer Placeholder 2">
             <a:extLst>
               <a:ext uri="{FF2B5EF4-FFF2-40B4-BE49-F238E27FC236}">
-                <a16:creationId xmlns:a16="http://schemas.microsoft.com/office/drawing/2014/main" xmlns="" id="{1EE043BC-1C46-4295-BFAB-C88EC9A1E044}"/>
+                <a16:creationId xmlns="" xmlns:a16="http://schemas.microsoft.com/office/drawing/2014/main" id="{1EE043BC-1C46-4295-BFAB-C88EC9A1E044}"/>
               </a:ext>
             </a:extLst>
           </p:cNvPr>
@@ -5378,7 +5378,7 @@
           <p:cNvPr id="9" name="Rectangle 8">
             <a:extLst>
               <a:ext uri="{FF2B5EF4-FFF2-40B4-BE49-F238E27FC236}">
-                <a16:creationId xmlns:a16="http://schemas.microsoft.com/office/drawing/2014/main" xmlns="" id="{09A4DD51-F450-4FA7-BA18-C2A26D10D72C}"/>
+                <a16:creationId xmlns="" xmlns:a16="http://schemas.microsoft.com/office/drawing/2014/main" id="{09A4DD51-F450-4FA7-BA18-C2A26D10D72C}"/>
               </a:ext>
             </a:extLst>
           </p:cNvPr>
@@ -5590,7 +5590,7 @@
     </p:spTree>
     <p:extLst>
       <p:ext uri="{BB962C8B-B14F-4D97-AF65-F5344CB8AC3E}">
-        <p14:creationId xmlns:p14="http://schemas.microsoft.com/office/powerpoint/2010/main" xmlns="" val="2216512537"/>
+        <p14:creationId xmlns="" xmlns:p14="http://schemas.microsoft.com/office/powerpoint/2010/main" val="2216512537"/>
       </p:ext>
     </p:extLst>
   </p:cSld>
@@ -5629,7 +5629,7 @@
           <p:cNvPr id="5" name="Picture 4">
             <a:extLst>
               <a:ext uri="{FF2B5EF4-FFF2-40B4-BE49-F238E27FC236}">
-                <a16:creationId xmlns:a16="http://schemas.microsoft.com/office/drawing/2014/main" xmlns="" id="{508B0317-559F-472C-B452-0762ADEBE614}"/>
+                <a16:creationId xmlns="" xmlns:a16="http://schemas.microsoft.com/office/drawing/2014/main" id="{508B0317-559F-472C-B452-0762ADEBE614}"/>
               </a:ext>
             </a:extLst>
           </p:cNvPr>
@@ -5642,7 +5642,7 @@
           <a:blip r:embed="rId2" cstate="print">
             <a:extLst>
               <a:ext uri="{28A0092B-C50C-407E-A947-70E740481C1C}">
-                <a14:useLocalDpi xmlns:a14="http://schemas.microsoft.com/office/drawing/2010/main" xmlns="" val="0"/>
+                <a14:useLocalDpi xmlns="" xmlns:a14="http://schemas.microsoft.com/office/drawing/2010/main" val="0"/>
               </a:ext>
             </a:extLst>
           </a:blip>
@@ -5665,7 +5665,7 @@
           <p:cNvPr id="8" name="Footer Placeholder 2">
             <a:extLst>
               <a:ext uri="{FF2B5EF4-FFF2-40B4-BE49-F238E27FC236}">
-                <a16:creationId xmlns:a16="http://schemas.microsoft.com/office/drawing/2014/main" xmlns="" id="{1EE043BC-1C46-4295-BFAB-C88EC9A1E044}"/>
+                <a16:creationId xmlns="" xmlns:a16="http://schemas.microsoft.com/office/drawing/2014/main" id="{1EE043BC-1C46-4295-BFAB-C88EC9A1E044}"/>
               </a:ext>
             </a:extLst>
           </p:cNvPr>
@@ -5797,7 +5797,7 @@
           <p:cNvPr id="9" name="Rectangle 8">
             <a:extLst>
               <a:ext uri="{FF2B5EF4-FFF2-40B4-BE49-F238E27FC236}">
-                <a16:creationId xmlns:a16="http://schemas.microsoft.com/office/drawing/2014/main" xmlns="" id="{09A4DD51-F450-4FA7-BA18-C2A26D10D72C}"/>
+                <a16:creationId xmlns="" xmlns:a16="http://schemas.microsoft.com/office/drawing/2014/main" id="{09A4DD51-F450-4FA7-BA18-C2A26D10D72C}"/>
               </a:ext>
             </a:extLst>
           </p:cNvPr>
@@ -6015,7 +6015,7 @@
     </p:spTree>
     <p:extLst>
       <p:ext uri="{BB962C8B-B14F-4D97-AF65-F5344CB8AC3E}">
-        <p14:creationId xmlns:p14="http://schemas.microsoft.com/office/powerpoint/2010/main" xmlns="" val="2216512537"/>
+        <p14:creationId xmlns="" xmlns:p14="http://schemas.microsoft.com/office/powerpoint/2010/main" val="2216512537"/>
       </p:ext>
     </p:extLst>
   </p:cSld>
@@ -6110,7 +6110,7 @@
           <p:cNvPr id="18" name="Picture 17">
             <a:extLst>
               <a:ext uri="{FF2B5EF4-FFF2-40B4-BE49-F238E27FC236}">
-                <a16:creationId xmlns="" xmlns:a16="http://schemas.microsoft.com/office/drawing/2014/main" id="{1BC29D4B-0260-49F9-9E5E-2135514E8A88}"/>
+                <a16:creationId xmlns:a16="http://schemas.microsoft.com/office/drawing/2014/main" xmlns="" id="{1BC29D4B-0260-49F9-9E5E-2135514E8A88}"/>
               </a:ext>
             </a:extLst>
           </p:cNvPr>
@@ -6123,7 +6123,7 @@
           <a:blip r:embed="rId2" cstate="print">
             <a:extLst>
               <a:ext uri="{28A0092B-C50C-407E-A947-70E740481C1C}">
-                <a14:useLocalDpi xmlns="" xmlns:a14="http://schemas.microsoft.com/office/drawing/2010/main" val="0"/>
+                <a14:useLocalDpi xmlns:a14="http://schemas.microsoft.com/office/drawing/2010/main" xmlns="" val="0"/>
               </a:ext>
             </a:extLst>
           </a:blip>
@@ -6146,7 +6146,7 @@
           <p:cNvPr id="19" name="Footer Placeholder 2">
             <a:extLst>
               <a:ext uri="{FF2B5EF4-FFF2-40B4-BE49-F238E27FC236}">
-                <a16:creationId xmlns="" xmlns:a16="http://schemas.microsoft.com/office/drawing/2014/main" id="{379BDE68-4144-4701-89F7-BDDAFF7975E1}"/>
+                <a16:creationId xmlns:a16="http://schemas.microsoft.com/office/drawing/2014/main" xmlns="" id="{379BDE68-4144-4701-89F7-BDDAFF7975E1}"/>
               </a:ext>
             </a:extLst>
           </p:cNvPr>
@@ -6278,7 +6278,7 @@
           <p:cNvPr id="21" name="Rectangle 20">
             <a:extLst>
               <a:ext uri="{FF2B5EF4-FFF2-40B4-BE49-F238E27FC236}">
-                <a16:creationId xmlns="" xmlns:a16="http://schemas.microsoft.com/office/drawing/2014/main" id="{09A4DD51-F450-4FA7-BA18-C2A26D10D72C}"/>
+                <a16:creationId xmlns:a16="http://schemas.microsoft.com/office/drawing/2014/main" xmlns="" id="{09A4DD51-F450-4FA7-BA18-C2A26D10D72C}"/>
               </a:ext>
             </a:extLst>
           </p:cNvPr>
@@ -6385,14 +6385,7 @@
                 <a:latin typeface="Calibri (Body)"/>
                 <a:cs typeface="Arial" pitchFamily="34" charset="0"/>
               </a:rPr>
-              <a:t>INSERT INTO student_address VALUES (4, 'station road', 'baroda</a:t>
-            </a:r>
-            <a:r>
-              <a:rPr lang="en-US" dirty="0" smtClean="0">
-                <a:latin typeface="Calibri (Body)"/>
-                <a:cs typeface="Arial" pitchFamily="34" charset="0"/>
-              </a:rPr>
-              <a:t>');</a:t>
+              <a:t>INSERT INTO student_address VALUES (4, 'station road', 'baroda');</a:t>
             </a:r>
           </a:p>
           <a:p>
@@ -6480,58 +6473,15 @@
                 <a:latin typeface="Calibri (Body)"/>
                 <a:cs typeface="Arial" pitchFamily="34" charset="0"/>
               </a:rPr>
-              <a:t>INSERT INTO student_hobbies VALUES (6, 4, 'gaming</a:t>
-            </a:r>
-            <a:r>
-              <a:rPr lang="en-US" dirty="0" smtClean="0">
-                <a:latin typeface="Calibri (Body)"/>
-                <a:cs typeface="Arial" pitchFamily="34" charset="0"/>
-              </a:rPr>
-              <a:t>');</a:t>
-            </a:r>
-            <a:endParaRPr lang="en-US" dirty="0" smtClean="0">
-              <a:latin typeface="Calibri (Body)"/>
-              <a:cs typeface="Arial" pitchFamily="34" charset="0"/>
-            </a:endParaRPr>
-          </a:p>
-        </p:txBody>
-      </p:sp>
-      <p:sp>
-        <p:nvSpPr>
-          <p:cNvPr id="9" name="Rectangle 8"/>
-          <p:cNvSpPr/>
-          <p:nvPr/>
-        </p:nvSpPr>
-        <p:spPr>
-          <a:xfrm>
-            <a:off x="11755679" y="0"/>
-            <a:ext cx="434734" cy="369332"/>
-          </a:xfrm>
-          <a:prstGeom prst="rect">
-            <a:avLst/>
-          </a:prstGeom>
-        </p:spPr>
-        <p:txBody>
-          <a:bodyPr wrap="none">
-            <a:spAutoFit/>
-          </a:bodyPr>
-          <a:lstStyle/>
-          <a:p>
-            <a:r>
-              <a:rPr lang="en-IN" dirty="0" smtClean="0">
-                <a:latin typeface="Segoe UI Light" panose="020B0502040204020203" pitchFamily="34" charset="0"/>
-                <a:cs typeface="Segoe UI Light" panose="020B0502040204020203" pitchFamily="34" charset="0"/>
-              </a:rPr>
-              <a:t>(9)</a:t>
-            </a:r>
-            <a:endParaRPr lang="en-US" dirty="0"/>
+              <a:t>INSERT INTO student_hobbies VALUES (6, 4, 'gaming');</a:t>
+            </a:r>
           </a:p>
         </p:txBody>
       </p:sp>
     </p:spTree>
     <p:extLst>
       <p:ext uri="{BB962C8B-B14F-4D97-AF65-F5344CB8AC3E}">
-        <p14:creationId xmlns="" xmlns:p14="http://schemas.microsoft.com/office/powerpoint/2010/main" val="3166758523"/>
+        <p14:creationId xmlns:p14="http://schemas.microsoft.com/office/powerpoint/2010/main" xmlns="" val="3166758523"/>
       </p:ext>
     </p:extLst>
   </p:cSld>

--- a/Video Ver1/Video PPT/10. Foreign Key.pptx
+++ b/Video Ver1/Video PPT/10. Foreign Key.pptx
@@ -5,14 +5,15 @@
     <p:sldMasterId id="2147483648" r:id="rId1"/>
   </p:sldMasterIdLst>
   <p:notesMasterIdLst>
-    <p:notesMasterId r:id="rId7"/>
+    <p:notesMasterId r:id="rId8"/>
   </p:notesMasterIdLst>
   <p:sldIdLst>
     <p:sldId id="1234" r:id="rId2"/>
-    <p:sldId id="1235" r:id="rId3"/>
-    <p:sldId id="1236" r:id="rId4"/>
-    <p:sldId id="1239" r:id="rId5"/>
-    <p:sldId id="1240" r:id="rId6"/>
+    <p:sldId id="1241" r:id="rId3"/>
+    <p:sldId id="1235" r:id="rId4"/>
+    <p:sldId id="1236" r:id="rId5"/>
+    <p:sldId id="1239" r:id="rId6"/>
+    <p:sldId id="1240" r:id="rId7"/>
   </p:sldIdLst>
   <p:sldSz cx="12190413" cy="6858000"/>
   <p:notesSz cx="6858000" cy="9144000"/>
@@ -113,7 +114,7 @@
   </p:defaultTextStyle>
   <p:extLst>
     <p:ext uri="{521415D9-36F7-43E2-AB2F-B90AF26B5E84}">
-      <p14:sectionLst xmlns="" xmlns:p14="http://schemas.microsoft.com/office/powerpoint/2010/main">
+      <p14:sectionLst xmlns:p14="http://schemas.microsoft.com/office/powerpoint/2010/main" xmlns="">
         <p14:section name="Introduction" id="{A3D14946-8297-4856-B082-4FEFA482017C}">
           <p14:sldIdLst>
             <p14:sldId id="282"/>
@@ -754,7 +755,7 @@
       </p14:sectionLst>
     </p:ext>
     <p:ext uri="{EFAFB233-063F-42B5-8137-9DF3F51BA10A}">
-      <p15:sldGuideLst xmlns="" xmlns:p15="http://schemas.microsoft.com/office/powerpoint/2012/main">
+      <p15:sldGuideLst xmlns:p15="http://schemas.microsoft.com/office/powerpoint/2012/main" xmlns="">
         <p15:guide id="1" orient="horz" pos="2160">
           <p15:clr>
             <a:srgbClr val="A4A3A4"/>
@@ -776,7 +777,7 @@
   <p:cmAuthor id="1" name="Saleel" initials="S" lastIdx="1" clrIdx="0">
     <p:extLst>
       <p:ext uri="{19B8F6BF-5375-455C-9EA6-DF929625EA0E}">
-        <p15:presenceInfo xmlns="" xmlns:p15="http://schemas.microsoft.com/office/powerpoint/2012/main" userId="Saleel" providerId="None"/>
+        <p15:presenceInfo xmlns:p15="http://schemas.microsoft.com/office/powerpoint/2012/main" xmlns="" userId="Saleel" providerId="None"/>
       </p:ext>
     </p:extLst>
   </p:cmAuthor>
@@ -866,7 +867,7 @@
             <a:fld id="{4DF51050-3720-483B-B552-57DC1341D582}" type="datetimeFigureOut">
               <a:rPr lang="en-US" smtClean="0"/>
               <a:pPr/>
-              <a:t>6/18/2020</a:t>
+              <a:t>6/20/2020</a:t>
             </a:fld>
             <a:endParaRPr lang="en-US"/>
           </a:p>
@@ -1325,7 +1326,7 @@
             <a:fld id="{EEE556E8-492E-4E8F-8E7F-7A7787724D01}" type="datetimeFigureOut">
               <a:rPr lang="en-US" smtClean="0"/>
               <a:pPr/>
-              <a:t>6/18/2020</a:t>
+              <a:t>6/20/2020</a:t>
             </a:fld>
             <a:endParaRPr lang="en-US"/>
           </a:p>
@@ -1530,7 +1531,7 @@
             <a:fld id="{EEE556E8-492E-4E8F-8E7F-7A7787724D01}" type="datetimeFigureOut">
               <a:rPr lang="en-US" smtClean="0"/>
               <a:pPr/>
-              <a:t>6/18/2020</a:t>
+              <a:t>6/20/2020</a:t>
             </a:fld>
             <a:endParaRPr lang="en-US"/>
           </a:p>
@@ -1735,7 +1736,7 @@
             <a:fld id="{EEE556E8-492E-4E8F-8E7F-7A7787724D01}" type="datetimeFigureOut">
               <a:rPr lang="en-US" smtClean="0"/>
               <a:pPr/>
-              <a:t>6/18/2020</a:t>
+              <a:t>6/20/2020</a:t>
             </a:fld>
             <a:endParaRPr lang="en-US"/>
           </a:p>
@@ -1940,7 +1941,7 @@
             <a:fld id="{EEE556E8-492E-4E8F-8E7F-7A7787724D01}" type="datetimeFigureOut">
               <a:rPr lang="en-US" smtClean="0"/>
               <a:pPr/>
-              <a:t>6/18/2020</a:t>
+              <a:t>6/20/2020</a:t>
             </a:fld>
             <a:endParaRPr lang="en-US"/>
           </a:p>
@@ -2212,7 +2213,7 @@
             <a:fld id="{EEE556E8-492E-4E8F-8E7F-7A7787724D01}" type="datetimeFigureOut">
               <a:rPr lang="en-US" smtClean="0"/>
               <a:pPr/>
-              <a:t>6/18/2020</a:t>
+              <a:t>6/20/2020</a:t>
             </a:fld>
             <a:endParaRPr lang="en-US"/>
           </a:p>
@@ -2532,7 +2533,7 @@
             <a:fld id="{EEE556E8-492E-4E8F-8E7F-7A7787724D01}" type="datetimeFigureOut">
               <a:rPr lang="en-US" smtClean="0"/>
               <a:pPr/>
-              <a:t>6/18/2020</a:t>
+              <a:t>6/20/2020</a:t>
             </a:fld>
             <a:endParaRPr lang="en-US"/>
           </a:p>
@@ -2992,7 +2993,7 @@
             <a:fld id="{EEE556E8-492E-4E8F-8E7F-7A7787724D01}" type="datetimeFigureOut">
               <a:rPr lang="en-US" smtClean="0"/>
               <a:pPr/>
-              <a:t>6/18/2020</a:t>
+              <a:t>6/20/2020</a:t>
             </a:fld>
             <a:endParaRPr lang="en-US"/>
           </a:p>
@@ -3138,7 +3139,7 @@
             <a:fld id="{EEE556E8-492E-4E8F-8E7F-7A7787724D01}" type="datetimeFigureOut">
               <a:rPr lang="en-US" smtClean="0"/>
               <a:pPr/>
-              <a:t>6/18/2020</a:t>
+              <a:t>6/20/2020</a:t>
             </a:fld>
             <a:endParaRPr lang="en-US"/>
           </a:p>
@@ -3468,7 +3469,7 @@
             <a:fld id="{EEE556E8-492E-4E8F-8E7F-7A7787724D01}" type="datetimeFigureOut">
               <a:rPr lang="en-US" smtClean="0"/>
               <a:pPr/>
-              <a:t>6/18/2020</a:t>
+              <a:t>6/20/2020</a:t>
             </a:fld>
             <a:endParaRPr lang="en-US"/>
           </a:p>
@@ -3750,7 +3751,7 @@
             <a:fld id="{EEE556E8-492E-4E8F-8E7F-7A7787724D01}" type="datetimeFigureOut">
               <a:rPr lang="en-US" smtClean="0"/>
               <a:pPr/>
-              <a:t>6/18/2020</a:t>
+              <a:t>6/20/2020</a:t>
             </a:fld>
             <a:endParaRPr lang="en-US"/>
           </a:p>
@@ -4136,7 +4137,7 @@
           <p:cNvPr id="8" name="Picture 7">
             <a:extLst>
               <a:ext uri="{FF2B5EF4-FFF2-40B4-BE49-F238E27FC236}">
-                <a16:creationId xmlns="" xmlns:a16="http://schemas.microsoft.com/office/drawing/2014/main" id="{FF24E983-0C73-4002-AA14-199E8763DD65}"/>
+                <a16:creationId xmlns:a16="http://schemas.microsoft.com/office/drawing/2014/main" xmlns="" id="{FF24E983-0C73-4002-AA14-199E8763DD65}"/>
               </a:ext>
             </a:extLst>
           </p:cNvPr>
@@ -4149,7 +4150,7 @@
           <a:blip r:embed="rId2" cstate="print">
             <a:extLst>
               <a:ext uri="{28A0092B-C50C-407E-A947-70E740481C1C}">
-                <a14:useLocalDpi xmlns="" xmlns:a14="http://schemas.microsoft.com/office/drawing/2010/main" val="0"/>
+                <a14:useLocalDpi xmlns:a14="http://schemas.microsoft.com/office/drawing/2010/main" xmlns="" val="0"/>
               </a:ext>
             </a:extLst>
           </a:blip>
@@ -4172,7 +4173,7 @@
           <p:cNvPr id="7" name="Footer Placeholder 2">
             <a:extLst>
               <a:ext uri="{FF2B5EF4-FFF2-40B4-BE49-F238E27FC236}">
-                <a16:creationId xmlns="" xmlns:a16="http://schemas.microsoft.com/office/drawing/2014/main" id="{E14F7621-66C5-47D6-A8C7-2B6C3CD2205A}"/>
+                <a16:creationId xmlns:a16="http://schemas.microsoft.com/office/drawing/2014/main" xmlns="" id="{E14F7621-66C5-47D6-A8C7-2B6C3CD2205A}"/>
               </a:ext>
             </a:extLst>
           </p:cNvPr>
@@ -4374,87 +4375,10 @@
           </a:p>
         </p:txBody>
       </p:sp>
-      <p:sp>
-        <p:nvSpPr>
-          <p:cNvPr id="11" name="Rectangle 10"/>
-          <p:cNvSpPr/>
-          <p:nvPr/>
-        </p:nvSpPr>
-        <p:spPr>
-          <a:xfrm>
-            <a:off x="406574" y="3284984"/>
-            <a:ext cx="11449272" cy="923330"/>
-          </a:xfrm>
-          <a:prstGeom prst="rect">
-            <a:avLst/>
-          </a:prstGeom>
-        </p:spPr>
-        <p:txBody>
-          <a:bodyPr wrap="square">
-            <a:spAutoFit/>
-          </a:bodyPr>
-          <a:lstStyle/>
-          <a:p>
-            <a:r>
-              <a:rPr lang="en-US" dirty="0" smtClean="0"/>
-              <a:t>A </a:t>
-            </a:r>
-            <a:r>
-              <a:rPr lang="en-US" b="1" dirty="0" smtClean="0"/>
-              <a:t>FOREIGN KEY</a:t>
-            </a:r>
-            <a:r>
-              <a:rPr lang="en-US" dirty="0" smtClean="0"/>
-              <a:t> is a </a:t>
-            </a:r>
-            <a:r>
-              <a:rPr lang="en-US" b="1" dirty="0" smtClean="0"/>
-              <a:t>key</a:t>
-            </a:r>
-            <a:r>
-              <a:rPr lang="en-US" dirty="0" smtClean="0"/>
-              <a:t> used to link two tables together. A </a:t>
-            </a:r>
-            <a:r>
-              <a:rPr lang="en-US" b="1" dirty="0" smtClean="0"/>
-              <a:t>FOREIGN KEY</a:t>
-            </a:r>
-            <a:r>
-              <a:rPr lang="en-US" dirty="0" smtClean="0"/>
-              <a:t> is a field (or collection of fields) in one table that refers to the PRIMARY </a:t>
-            </a:r>
-            <a:r>
-              <a:rPr lang="en-US" b="1" dirty="0" smtClean="0"/>
-              <a:t>KEY</a:t>
-            </a:r>
-            <a:r>
-              <a:rPr lang="en-US" dirty="0" smtClean="0"/>
-              <a:t> in another table. The table containing the </a:t>
-            </a:r>
-            <a:r>
-              <a:rPr lang="en-US" b="1" dirty="0" smtClean="0"/>
-              <a:t>foreign key</a:t>
-            </a:r>
-            <a:r>
-              <a:rPr lang="en-US" dirty="0" smtClean="0"/>
-              <a:t> is called the child table, and the table containing the candidate </a:t>
-            </a:r>
-            <a:r>
-              <a:rPr lang="en-US" b="1" dirty="0" smtClean="0"/>
-              <a:t>key</a:t>
-            </a:r>
-            <a:r>
-              <a:rPr lang="en-US" dirty="0" smtClean="0"/>
-              <a:t> is called the referenced or parent table.</a:t>
-            </a:r>
-            <a:endParaRPr lang="en-US" dirty="0"/>
-          </a:p>
-        </p:txBody>
-      </p:sp>
     </p:spTree>
     <p:extLst>
       <p:ext uri="{BB962C8B-B14F-4D97-AF65-F5344CB8AC3E}">
-        <p14:creationId xmlns="" xmlns:p14="http://schemas.microsoft.com/office/powerpoint/2010/main" val="2547664928"/>
+        <p14:creationId xmlns:p14="http://schemas.microsoft.com/office/powerpoint/2010/main" xmlns="" val="2547664928"/>
       </p:ext>
     </p:extLst>
   </p:cSld>
@@ -4488,78 +4412,12 @@
           <a:chExt cx="0" cy="0"/>
         </a:xfrm>
       </p:grpSpPr>
-      <p:sp>
-        <p:nvSpPr>
-          <p:cNvPr id="58370" name="AutoShape 2" descr="One-to-one entity relationship diagram"/>
-          <p:cNvSpPr>
-            <a:spLocks noChangeAspect="1" noChangeArrowheads="1"/>
-          </p:cNvSpPr>
-          <p:nvPr/>
-        </p:nvSpPr>
-        <p:spPr bwMode="auto">
-          <a:xfrm>
-            <a:off x="1679356" y="-144463"/>
-            <a:ext cx="304760" cy="304801"/>
-          </a:xfrm>
-          <a:prstGeom prst="rect">
-            <a:avLst/>
-          </a:prstGeom>
-          <a:noFill/>
-        </p:spPr>
-        <p:txBody>
-          <a:bodyPr vert="horz" wrap="square" lIns="91440" tIns="45720" rIns="91440" bIns="45720" numCol="1" anchor="t" anchorCtr="0" compatLnSpc="1">
-            <a:prstTxWarp prst="textNoShape">
-              <a:avLst/>
-            </a:prstTxWarp>
-          </a:bodyPr>
-          <a:lstStyle/>
-          <a:p>
-            <a:endParaRPr lang="en-US" dirty="0">
-              <a:latin typeface="Arial" pitchFamily="34" charset="0"/>
-              <a:cs typeface="Arial" pitchFamily="34" charset="0"/>
-            </a:endParaRPr>
-          </a:p>
-        </p:txBody>
-      </p:sp>
-      <p:sp>
-        <p:nvSpPr>
-          <p:cNvPr id="58372" name="AutoShape 4" descr="One-to-one entity relationship diagram"/>
-          <p:cNvSpPr>
-            <a:spLocks noChangeAspect="1" noChangeArrowheads="1"/>
-          </p:cNvSpPr>
-          <p:nvPr/>
-        </p:nvSpPr>
-        <p:spPr bwMode="auto">
-          <a:xfrm>
-            <a:off x="1679356" y="-144463"/>
-            <a:ext cx="304760" cy="304801"/>
-          </a:xfrm>
-          <a:prstGeom prst="rect">
-            <a:avLst/>
-          </a:prstGeom>
-          <a:noFill/>
-        </p:spPr>
-        <p:txBody>
-          <a:bodyPr vert="horz" wrap="square" lIns="91440" tIns="45720" rIns="91440" bIns="45720" numCol="1" anchor="t" anchorCtr="0" compatLnSpc="1">
-            <a:prstTxWarp prst="textNoShape">
-              <a:avLst/>
-            </a:prstTxWarp>
-          </a:bodyPr>
-          <a:lstStyle/>
-          <a:p>
-            <a:endParaRPr lang="en-US" dirty="0">
-              <a:latin typeface="Arial" pitchFamily="34" charset="0"/>
-              <a:cs typeface="Arial" pitchFamily="34" charset="0"/>
-            </a:endParaRPr>
-          </a:p>
-        </p:txBody>
-      </p:sp>
       <p:pic>
         <p:nvPicPr>
           <p:cNvPr id="8" name="Picture 7">
             <a:extLst>
               <a:ext uri="{FF2B5EF4-FFF2-40B4-BE49-F238E27FC236}">
-                <a16:creationId xmlns="" xmlns:a16="http://schemas.microsoft.com/office/drawing/2014/main" id="{CA300AF8-3A8B-41EE-96B3-AEAC198AD8CA}"/>
+                <a16:creationId xmlns:a16="http://schemas.microsoft.com/office/drawing/2014/main" xmlns="" id="{FF24E983-0C73-4002-AA14-199E8763DD65}"/>
               </a:ext>
             </a:extLst>
           </p:cNvPr>
@@ -4572,7 +4430,7 @@
           <a:blip r:embed="rId2" cstate="print">
             <a:extLst>
               <a:ext uri="{28A0092B-C50C-407E-A947-70E740481C1C}">
-                <a14:useLocalDpi xmlns="" xmlns:a14="http://schemas.microsoft.com/office/drawing/2010/main" val="0"/>
+                <a14:useLocalDpi xmlns:a14="http://schemas.microsoft.com/office/drawing/2010/main" xmlns="" val="0"/>
               </a:ext>
             </a:extLst>
           </a:blip>
@@ -4592,10 +4450,10 @@
       </p:pic>
       <p:sp>
         <p:nvSpPr>
-          <p:cNvPr id="9" name="Footer Placeholder 2">
+          <p:cNvPr id="7" name="Footer Placeholder 2">
             <a:extLst>
               <a:ext uri="{FF2B5EF4-FFF2-40B4-BE49-F238E27FC236}">
-                <a16:creationId xmlns="" xmlns:a16="http://schemas.microsoft.com/office/drawing/2014/main" id="{49968677-CC8A-4C35-AABA-97CFF73A1AB5}"/>
+                <a16:creationId xmlns:a16="http://schemas.microsoft.com/office/drawing/2014/main" xmlns="" id="{E14F7621-66C5-47D6-A8C7-2B6C3CD2205A}"/>
               </a:ext>
             </a:extLst>
           </p:cNvPr>
@@ -4724,27 +4582,93 @@
       </p:sp>
       <p:sp>
         <p:nvSpPr>
-          <p:cNvPr id="10" name="Rectangle 9">
-            <a:extLst>
-              <a:ext uri="{FF2B5EF4-FFF2-40B4-BE49-F238E27FC236}">
-                <a16:creationId xmlns="" xmlns:a16="http://schemas.microsoft.com/office/drawing/2014/main" id="{09A4DD51-F450-4FA7-BA18-C2A26D10D72C}"/>
-              </a:ext>
-            </a:extLst>
-          </p:cNvPr>
+          <p:cNvPr id="9" name="Rectangle 8"/>
           <p:cNvSpPr/>
           <p:nvPr/>
         </p:nvSpPr>
         <p:spPr>
           <a:xfrm>
-            <a:off x="1523802" y="2"/>
-            <a:ext cx="9142810" cy="837473"/>
-          </a:xfrm>
-          <a:prstGeom prst="rect">
-            <a:avLst/>
-          </a:prstGeom>
-          <a:solidFill>
-            <a:schemeClr val="bg1"/>
-          </a:solidFill>
+            <a:off x="11755679" y="0"/>
+            <a:ext cx="434734" cy="369332"/>
+          </a:xfrm>
+          <a:prstGeom prst="rect">
+            <a:avLst/>
+          </a:prstGeom>
+        </p:spPr>
+        <p:txBody>
+          <a:bodyPr wrap="none">
+            <a:spAutoFit/>
+          </a:bodyPr>
+          <a:lstStyle/>
+          <a:p>
+            <a:r>
+              <a:rPr lang="en-IN" dirty="0" smtClean="0">
+                <a:latin typeface="Segoe UI Light" panose="020B0502040204020203" pitchFamily="34" charset="0"/>
+                <a:cs typeface="Segoe UI Light" panose="020B0502040204020203" pitchFamily="34" charset="0"/>
+              </a:rPr>
+              <a:t>(9)</a:t>
+            </a:r>
+            <a:endParaRPr lang="en-US" dirty="0"/>
+          </a:p>
+        </p:txBody>
+      </p:sp>
+      <p:sp>
+        <p:nvSpPr>
+          <p:cNvPr id="10" name="Title 1"/>
+          <p:cNvSpPr txBox="1">
+            <a:spLocks/>
+          </p:cNvSpPr>
+          <p:nvPr/>
+        </p:nvSpPr>
+        <p:spPr>
+          <a:xfrm>
+            <a:off x="1676182" y="2442592"/>
+            <a:ext cx="8838049" cy="914400"/>
+          </a:xfrm>
+          <a:prstGeom prst="rect">
+            <a:avLst/>
+          </a:prstGeom>
+        </p:spPr>
+        <p:txBody>
+          <a:bodyPr>
+            <a:normAutofit/>
+          </a:bodyPr>
+          <a:lstStyle/>
+          <a:p>
+            <a:pPr algn="ctr">
+              <a:spcBef>
+                <a:spcPct val="0"/>
+              </a:spcBef>
+              <a:defRPr/>
+            </a:pPr>
+            <a:r>
+              <a:rPr lang="en-US" sz="4800" dirty="0" smtClean="0">
+                <a:latin typeface="Segoe UI Light" panose="020B0502040204020203" pitchFamily="34" charset="0"/>
+                <a:cs typeface="Segoe UI Light" panose="020B0502040204020203" pitchFamily="34" charset="0"/>
+              </a:rPr>
+              <a:t>Foreign Key</a:t>
+            </a:r>
+            <a:endParaRPr lang="en-IN" sz="4800" dirty="0">
+              <a:latin typeface="Segoe UI Light" panose="020B0502040204020203" pitchFamily="34" charset="0"/>
+              <a:cs typeface="Segoe UI Light" panose="020B0502040204020203" pitchFamily="34" charset="0"/>
+            </a:endParaRPr>
+          </a:p>
+        </p:txBody>
+      </p:sp>
+      <p:sp>
+        <p:nvSpPr>
+          <p:cNvPr id="11" name="Rectangle 10"/>
+          <p:cNvSpPr/>
+          <p:nvPr/>
+        </p:nvSpPr>
+        <p:spPr>
+          <a:xfrm>
+            <a:off x="406574" y="3284984"/>
+            <a:ext cx="11449272" cy="923330"/>
+          </a:xfrm>
+          <a:prstGeom prst="rect">
+            <a:avLst/>
+          </a:prstGeom>
         </p:spPr>
         <p:txBody>
           <a:bodyPr wrap="square">
@@ -4752,155 +4676,71 @@
           </a:bodyPr>
           <a:lstStyle/>
           <a:p>
-            <a:pPr algn="r" fontAlgn="base">
-              <a:lnSpc>
-                <a:spcPct val="150000"/>
-              </a:lnSpc>
-            </a:pPr>
-            <a:r>
-              <a:rPr lang="en-US" sz="3600" dirty="0" smtClean="0"/>
-              <a:t>Foreign Key</a:t>
-            </a:r>
-            <a:endParaRPr lang="en-US" sz="3600" dirty="0"/>
-          </a:p>
-        </p:txBody>
-      </p:sp>
-      <p:sp>
-        <p:nvSpPr>
-          <p:cNvPr id="12" name="Rectangle 11">
-            <a:extLst>
-              <a:ext uri="{FF2B5EF4-FFF2-40B4-BE49-F238E27FC236}">
-                <a16:creationId xmlns="" xmlns:a16="http://schemas.microsoft.com/office/drawing/2014/main" id="{63045821-95B0-4EF7-B515-933F86C0D2DA}"/>
-              </a:ext>
-            </a:extLst>
-          </p:cNvPr>
+            <a:r>
+              <a:rPr lang="en-US" dirty="0" smtClean="0"/>
+              <a:t>A </a:t>
+            </a:r>
+            <a:r>
+              <a:rPr lang="en-US" b="1" dirty="0" smtClean="0"/>
+              <a:t>FOREIGN KEY</a:t>
+            </a:r>
+            <a:r>
+              <a:rPr lang="en-US" dirty="0" smtClean="0"/>
+              <a:t> is a </a:t>
+            </a:r>
+            <a:r>
+              <a:rPr lang="en-US" b="1" dirty="0" smtClean="0"/>
+              <a:t>key</a:t>
+            </a:r>
+            <a:r>
+              <a:rPr lang="en-US" dirty="0" smtClean="0"/>
+              <a:t> used to link two tables together. A </a:t>
+            </a:r>
+            <a:r>
+              <a:rPr lang="en-US" b="1" dirty="0" smtClean="0"/>
+              <a:t>FOREIGN KEY</a:t>
+            </a:r>
+            <a:r>
+              <a:rPr lang="en-US" dirty="0" smtClean="0"/>
+              <a:t> is a field (or collection of fields) in one table that refers to the PRIMARY </a:t>
+            </a:r>
+            <a:r>
+              <a:rPr lang="en-US" b="1" dirty="0" smtClean="0"/>
+              <a:t>KEY</a:t>
+            </a:r>
+            <a:r>
+              <a:rPr lang="en-US" dirty="0" smtClean="0"/>
+              <a:t> in another table. The table containing the </a:t>
+            </a:r>
+            <a:r>
+              <a:rPr lang="en-US" b="1" dirty="0" smtClean="0"/>
+              <a:t>foreign key</a:t>
+            </a:r>
+            <a:r>
+              <a:rPr lang="en-US" dirty="0" smtClean="0"/>
+              <a:t> is called the child table, and the table containing the candidate </a:t>
+            </a:r>
+            <a:r>
+              <a:rPr lang="en-US" b="1" dirty="0" smtClean="0"/>
+              <a:t>key</a:t>
+            </a:r>
+            <a:r>
+              <a:rPr lang="en-US" dirty="0" smtClean="0"/>
+              <a:t> is called the referenced or parent table.</a:t>
+            </a:r>
+            <a:endParaRPr lang="en-US" dirty="0"/>
+          </a:p>
+        </p:txBody>
+      </p:sp>
+      <p:sp>
+        <p:nvSpPr>
+          <p:cNvPr id="12" name="Rectangle 11"/>
           <p:cNvSpPr/>
           <p:nvPr/>
         </p:nvSpPr>
         <p:spPr>
           <a:xfrm>
-            <a:off x="262558" y="1211848"/>
-            <a:ext cx="9145016" cy="1785104"/>
-          </a:xfrm>
-          <a:prstGeom prst="rect">
-            <a:avLst/>
-          </a:prstGeom>
-          <a:noFill/>
-        </p:spPr>
-        <p:txBody>
-          <a:bodyPr wrap="square">
-            <a:spAutoFit/>
-          </a:bodyPr>
-          <a:lstStyle/>
-          <a:p>
-            <a:r>
-              <a:rPr lang="en-US" sz="2200" dirty="0" smtClean="0">
-                <a:solidFill>
-                  <a:schemeClr val="bg2">
-                    <a:lumMod val="25000"/>
-                  </a:schemeClr>
-                </a:solidFill>
-                <a:latin typeface="Palatino Linotype" panose="02040502050505030304" pitchFamily="18" charset="0"/>
-              </a:rPr>
-              <a:t>FOREIGN key </a:t>
-            </a:r>
-            <a:r>
-              <a:rPr lang="en-US" sz="2200" dirty="0">
-                <a:solidFill>
-                  <a:schemeClr val="bg2">
-                    <a:lumMod val="25000"/>
-                  </a:schemeClr>
-                </a:solidFill>
-                <a:latin typeface="Palatino Linotype" panose="02040502050505030304" pitchFamily="18" charset="0"/>
-              </a:rPr>
-              <a:t>condition must follow some rules.</a:t>
-            </a:r>
-          </a:p>
-          <a:p>
-            <a:endParaRPr lang="en-US" sz="800" dirty="0">
-              <a:solidFill>
-                <a:srgbClr val="FF0000"/>
-              </a:solidFill>
-              <a:latin typeface="Palatino Linotype" panose="02040502050505030304" pitchFamily="18" charset="0"/>
-              <a:cs typeface="Arial" panose="020B0604020202020204" pitchFamily="34" charset="0"/>
-            </a:endParaRPr>
-          </a:p>
-          <a:p>
-            <a:endParaRPr lang="en-US" sz="800" dirty="0">
-              <a:solidFill>
-                <a:srgbClr val="FF0000"/>
-              </a:solidFill>
-              <a:latin typeface="Palatino Linotype" panose="02040502050505030304" pitchFamily="18" charset="0"/>
-              <a:cs typeface="Arial" panose="020B0604020202020204" pitchFamily="34" charset="0"/>
-            </a:endParaRPr>
-          </a:p>
-          <a:p>
-            <a:pPr marL="285750" indent="-285750">
-              <a:buFont typeface="Arial" panose="020B0604020202020204" pitchFamily="34" charset="0"/>
-              <a:buChar char="•"/>
-            </a:pPr>
-            <a:r>
-              <a:rPr lang="en-IN" dirty="0" smtClean="0">
-                <a:latin typeface="Palatino Linotype" panose="02040502050505030304" pitchFamily="18" charset="0"/>
-                <a:cs typeface="Segoe UI Light" panose="020B0502040204020203" pitchFamily="34" charset="0"/>
-              </a:rPr>
-              <a:t>A foreign key column can have a different name from its primary key column.</a:t>
-            </a:r>
-          </a:p>
-          <a:p>
-            <a:pPr marL="285750" indent="-285750">
-              <a:buFont typeface="Arial" panose="020B0604020202020204" pitchFamily="34" charset="0"/>
-              <a:buChar char="•"/>
-            </a:pPr>
-            <a:r>
-              <a:rPr lang="en-IN" dirty="0" smtClean="0">
-                <a:latin typeface="Palatino Linotype" panose="02040502050505030304" pitchFamily="18" charset="0"/>
-                <a:cs typeface="Segoe UI Light" panose="020B0502040204020203" pitchFamily="34" charset="0"/>
-              </a:rPr>
-              <a:t>DataType of primary key and foreign key column must be same.</a:t>
-            </a:r>
-          </a:p>
-          <a:p>
-            <a:pPr marL="285750" indent="-285750">
-              <a:buFont typeface="Arial" panose="020B0604020202020204" pitchFamily="34" charset="0"/>
-              <a:buChar char="•"/>
-            </a:pPr>
-            <a:r>
-              <a:rPr lang="en-IN" dirty="0" smtClean="0">
-                <a:latin typeface="Palatino Linotype" panose="02040502050505030304" pitchFamily="18" charset="0"/>
-                <a:cs typeface="Segoe UI Light" panose="020B0502040204020203" pitchFamily="34" charset="0"/>
-              </a:rPr>
-              <a:t>It ensures rows in one table have corresponding rows in another.</a:t>
-            </a:r>
-          </a:p>
-          <a:p>
-            <a:pPr marL="285750" indent="-285750">
-              <a:buFont typeface="Arial" panose="020B0604020202020204" pitchFamily="34" charset="0"/>
-              <a:buChar char="•"/>
-            </a:pPr>
-            <a:r>
-              <a:rPr lang="en-IN" dirty="0" smtClean="0">
-                <a:latin typeface="Palatino Linotype" panose="02040502050505030304" pitchFamily="18" charset="0"/>
-                <a:cs typeface="Segoe UI Light" panose="020B0502040204020203" pitchFamily="34" charset="0"/>
-              </a:rPr>
-              <a:t>Foreign keys can be NULL value even though primary keys can not.</a:t>
-            </a:r>
-            <a:endParaRPr lang="en-IN" dirty="0">
-              <a:latin typeface="Palatino Linotype" panose="02040502050505030304" pitchFamily="18" charset="0"/>
-              <a:cs typeface="Segoe UI Light" panose="020B0502040204020203" pitchFamily="34" charset="0"/>
-            </a:endParaRPr>
-          </a:p>
-        </p:txBody>
-      </p:sp>
-      <p:sp>
-        <p:nvSpPr>
-          <p:cNvPr id="14" name="Rectangle 13"/>
-          <p:cNvSpPr/>
-          <p:nvPr/>
-        </p:nvSpPr>
-        <p:spPr>
-          <a:xfrm>
-            <a:off x="406574" y="3824461"/>
+            <a:off x="406574" y="4379435"/>
             <a:ext cx="11377264" cy="1692771"/>
           </a:xfrm>
           <a:prstGeom prst="rect">
@@ -5018,6 +4858,522 @@
           </a:p>
         </p:txBody>
       </p:sp>
+    </p:spTree>
+    <p:extLst>
+      <p:ext uri="{BB962C8B-B14F-4D97-AF65-F5344CB8AC3E}">
+        <p14:creationId xmlns:p14="http://schemas.microsoft.com/office/powerpoint/2010/main" xmlns="" val="2547664928"/>
+      </p:ext>
+    </p:extLst>
+  </p:cSld>
+  <p:clrMapOvr>
+    <a:masterClrMapping/>
+  </p:clrMapOvr>
+  <p:timing>
+    <p:tnLst>
+      <p:par>
+        <p:cTn id="1" dur="indefinite" restart="never" nodeType="tmRoot">
+          <p:childTnLst>
+            <p:seq concurrent="1" nextAc="seek">
+              <p:cTn id="2" dur="indefinite" nodeType="mainSeq">
+                <p:childTnLst>
+                  <p:par>
+                    <p:cTn id="3" fill="hold">
+                      <p:stCondLst>
+                        <p:cond delay="indefinite"/>
+                      </p:stCondLst>
+                      <p:childTnLst>
+                        <p:par>
+                          <p:cTn id="4" fill="hold">
+                            <p:stCondLst>
+                              <p:cond delay="0"/>
+                            </p:stCondLst>
+                            <p:childTnLst>
+                              <p:par>
+                                <p:cTn id="5" presetID="1" presetClass="entr" presetSubtype="0" fill="hold" grpId="0" nodeType="clickEffect">
+                                  <p:stCondLst>
+                                    <p:cond delay="0"/>
+                                  </p:stCondLst>
+                                  <p:childTnLst>
+                                    <p:set>
+                                      <p:cBhvr>
+                                        <p:cTn id="6" dur="1" fill="hold">
+                                          <p:stCondLst>
+                                            <p:cond delay="0"/>
+                                          </p:stCondLst>
+                                        </p:cTn>
+                                        <p:tgtEl>
+                                          <p:spTgt spid="12"/>
+                                        </p:tgtEl>
+                                        <p:attrNameLst>
+                                          <p:attrName>style.visibility</p:attrName>
+                                        </p:attrNameLst>
+                                      </p:cBhvr>
+                                      <p:to>
+                                        <p:strVal val="visible"/>
+                                      </p:to>
+                                    </p:set>
+                                  </p:childTnLst>
+                                </p:cTn>
+                              </p:par>
+                            </p:childTnLst>
+                          </p:cTn>
+                        </p:par>
+                      </p:childTnLst>
+                    </p:cTn>
+                  </p:par>
+                </p:childTnLst>
+              </p:cTn>
+              <p:prevCondLst>
+                <p:cond evt="onPrev" delay="0">
+                  <p:tgtEl>
+                    <p:sldTgt/>
+                  </p:tgtEl>
+                </p:cond>
+              </p:prevCondLst>
+              <p:nextCondLst>
+                <p:cond evt="onNext" delay="0">
+                  <p:tgtEl>
+                    <p:sldTgt/>
+                  </p:tgtEl>
+                </p:cond>
+              </p:nextCondLst>
+            </p:seq>
+          </p:childTnLst>
+        </p:cTn>
+      </p:par>
+    </p:tnLst>
+    <p:bldLst>
+      <p:bldP spid="12" grpId="0" animBg="1"/>
+    </p:bldLst>
+  </p:timing>
+</p:sld>
+</file>
+
+<file path=ppt/slides/slide3.xml><?xml version="1.0" encoding="utf-8"?>
+<p:sld xmlns:a="http://schemas.openxmlformats.org/drawingml/2006/main" xmlns:r="http://schemas.openxmlformats.org/officeDocument/2006/relationships" xmlns:p="http://schemas.openxmlformats.org/presentationml/2006/main">
+  <p:cSld>
+    <p:spTree>
+      <p:nvGrpSpPr>
+        <p:cNvPr id="1" name=""/>
+        <p:cNvGrpSpPr/>
+        <p:nvPr/>
+      </p:nvGrpSpPr>
+      <p:grpSpPr>
+        <a:xfrm>
+          <a:off x="0" y="0"/>
+          <a:ext cx="0" cy="0"/>
+          <a:chOff x="0" y="0"/>
+          <a:chExt cx="0" cy="0"/>
+        </a:xfrm>
+      </p:grpSpPr>
+      <p:sp>
+        <p:nvSpPr>
+          <p:cNvPr id="58370" name="AutoShape 2" descr="One-to-one entity relationship diagram"/>
+          <p:cNvSpPr>
+            <a:spLocks noChangeAspect="1" noChangeArrowheads="1"/>
+          </p:cNvSpPr>
+          <p:nvPr/>
+        </p:nvSpPr>
+        <p:spPr bwMode="auto">
+          <a:xfrm>
+            <a:off x="1679356" y="-144463"/>
+            <a:ext cx="304760" cy="304801"/>
+          </a:xfrm>
+          <a:prstGeom prst="rect">
+            <a:avLst/>
+          </a:prstGeom>
+          <a:noFill/>
+        </p:spPr>
+        <p:txBody>
+          <a:bodyPr vert="horz" wrap="square" lIns="91440" tIns="45720" rIns="91440" bIns="45720" numCol="1" anchor="t" anchorCtr="0" compatLnSpc="1">
+            <a:prstTxWarp prst="textNoShape">
+              <a:avLst/>
+            </a:prstTxWarp>
+          </a:bodyPr>
+          <a:lstStyle/>
+          <a:p>
+            <a:endParaRPr lang="en-US" dirty="0">
+              <a:latin typeface="Arial" pitchFamily="34" charset="0"/>
+              <a:cs typeface="Arial" pitchFamily="34" charset="0"/>
+            </a:endParaRPr>
+          </a:p>
+        </p:txBody>
+      </p:sp>
+      <p:sp>
+        <p:nvSpPr>
+          <p:cNvPr id="58372" name="AutoShape 4" descr="One-to-one entity relationship diagram"/>
+          <p:cNvSpPr>
+            <a:spLocks noChangeAspect="1" noChangeArrowheads="1"/>
+          </p:cNvSpPr>
+          <p:nvPr/>
+        </p:nvSpPr>
+        <p:spPr bwMode="auto">
+          <a:xfrm>
+            <a:off x="1679356" y="-144463"/>
+            <a:ext cx="304760" cy="304801"/>
+          </a:xfrm>
+          <a:prstGeom prst="rect">
+            <a:avLst/>
+          </a:prstGeom>
+          <a:noFill/>
+        </p:spPr>
+        <p:txBody>
+          <a:bodyPr vert="horz" wrap="square" lIns="91440" tIns="45720" rIns="91440" bIns="45720" numCol="1" anchor="t" anchorCtr="0" compatLnSpc="1">
+            <a:prstTxWarp prst="textNoShape">
+              <a:avLst/>
+            </a:prstTxWarp>
+          </a:bodyPr>
+          <a:lstStyle/>
+          <a:p>
+            <a:endParaRPr lang="en-US" dirty="0">
+              <a:latin typeface="Arial" pitchFamily="34" charset="0"/>
+              <a:cs typeface="Arial" pitchFamily="34" charset="0"/>
+            </a:endParaRPr>
+          </a:p>
+        </p:txBody>
+      </p:sp>
+      <p:pic>
+        <p:nvPicPr>
+          <p:cNvPr id="8" name="Picture 7">
+            <a:extLst>
+              <a:ext uri="{FF2B5EF4-FFF2-40B4-BE49-F238E27FC236}">
+                <a16:creationId xmlns:a16="http://schemas.microsoft.com/office/drawing/2014/main" xmlns="" id="{CA300AF8-3A8B-41EE-96B3-AEAC198AD8CA}"/>
+              </a:ext>
+            </a:extLst>
+          </p:cNvPr>
+          <p:cNvPicPr>
+            <a:picLocks noChangeAspect="1"/>
+          </p:cNvPicPr>
+          <p:nvPr/>
+        </p:nvPicPr>
+        <p:blipFill>
+          <a:blip r:embed="rId2" cstate="print">
+            <a:extLst>
+              <a:ext uri="{28A0092B-C50C-407E-A947-70E740481C1C}">
+                <a14:useLocalDpi xmlns:a14="http://schemas.microsoft.com/office/drawing/2010/main" xmlns="" val="0"/>
+              </a:ext>
+            </a:extLst>
+          </a:blip>
+          <a:stretch>
+            <a:fillRect/>
+          </a:stretch>
+        </p:blipFill>
+        <p:spPr>
+          <a:xfrm>
+            <a:off x="118542" y="116632"/>
+            <a:ext cx="1371859" cy="445150"/>
+          </a:xfrm>
+          <a:prstGeom prst="rect">
+            <a:avLst/>
+          </a:prstGeom>
+        </p:spPr>
+      </p:pic>
+      <p:sp>
+        <p:nvSpPr>
+          <p:cNvPr id="9" name="Footer Placeholder 2">
+            <a:extLst>
+              <a:ext uri="{FF2B5EF4-FFF2-40B4-BE49-F238E27FC236}">
+                <a16:creationId xmlns:a16="http://schemas.microsoft.com/office/drawing/2014/main" xmlns="" id="{49968677-CC8A-4C35-AABA-97CFF73A1AB5}"/>
+              </a:ext>
+            </a:extLst>
+          </p:cNvPr>
+          <p:cNvSpPr txBox="1">
+            <a:spLocks/>
+          </p:cNvSpPr>
+          <p:nvPr/>
+        </p:nvSpPr>
+        <p:spPr>
+          <a:xfrm>
+            <a:off x="3237431" y="6523037"/>
+            <a:ext cx="5400600" cy="365125"/>
+          </a:xfrm>
+          <a:prstGeom prst="rect">
+            <a:avLst/>
+          </a:prstGeom>
+        </p:spPr>
+        <p:txBody>
+          <a:bodyPr/>
+          <a:lstStyle>
+            <a:defPPr>
+              <a:defRPr lang="en-US"/>
+            </a:defPPr>
+            <a:lvl1pPr marL="0" algn="l" defTabSz="914400" rtl="0" eaLnBrk="1" latinLnBrk="0" hangingPunct="1">
+              <a:defRPr sz="1050" kern="1200">
+                <a:solidFill>
+                  <a:schemeClr val="tx1"/>
+                </a:solidFill>
+                <a:latin typeface="+mn-lt"/>
+                <a:ea typeface="+mn-ea"/>
+                <a:cs typeface="+mn-cs"/>
+              </a:defRPr>
+            </a:lvl1pPr>
+            <a:lvl2pPr marL="457200" algn="l" defTabSz="914400" rtl="0" eaLnBrk="1" latinLnBrk="0" hangingPunct="1">
+              <a:defRPr sz="1800" kern="1200">
+                <a:solidFill>
+                  <a:schemeClr val="tx1"/>
+                </a:solidFill>
+                <a:latin typeface="+mn-lt"/>
+                <a:ea typeface="+mn-ea"/>
+                <a:cs typeface="+mn-cs"/>
+              </a:defRPr>
+            </a:lvl2pPr>
+            <a:lvl3pPr marL="914400" algn="l" defTabSz="914400" rtl="0" eaLnBrk="1" latinLnBrk="0" hangingPunct="1">
+              <a:defRPr sz="1800" kern="1200">
+                <a:solidFill>
+                  <a:schemeClr val="tx1"/>
+                </a:solidFill>
+                <a:latin typeface="+mn-lt"/>
+                <a:ea typeface="+mn-ea"/>
+                <a:cs typeface="+mn-cs"/>
+              </a:defRPr>
+            </a:lvl3pPr>
+            <a:lvl4pPr marL="1371600" algn="l" defTabSz="914400" rtl="0" eaLnBrk="1" latinLnBrk="0" hangingPunct="1">
+              <a:defRPr sz="1800" kern="1200">
+                <a:solidFill>
+                  <a:schemeClr val="tx1"/>
+                </a:solidFill>
+                <a:latin typeface="+mn-lt"/>
+                <a:ea typeface="+mn-ea"/>
+                <a:cs typeface="+mn-cs"/>
+              </a:defRPr>
+            </a:lvl4pPr>
+            <a:lvl5pPr marL="1828800" algn="l" defTabSz="914400" rtl="0" eaLnBrk="1" latinLnBrk="0" hangingPunct="1">
+              <a:defRPr sz="1800" kern="1200">
+                <a:solidFill>
+                  <a:schemeClr val="tx1"/>
+                </a:solidFill>
+                <a:latin typeface="+mn-lt"/>
+                <a:ea typeface="+mn-ea"/>
+                <a:cs typeface="+mn-cs"/>
+              </a:defRPr>
+            </a:lvl5pPr>
+            <a:lvl6pPr marL="2286000" algn="l" defTabSz="914400" rtl="0" eaLnBrk="1" latinLnBrk="0" hangingPunct="1">
+              <a:defRPr sz="1800" kern="1200">
+                <a:solidFill>
+                  <a:schemeClr val="tx1"/>
+                </a:solidFill>
+                <a:latin typeface="+mn-lt"/>
+                <a:ea typeface="+mn-ea"/>
+                <a:cs typeface="+mn-cs"/>
+              </a:defRPr>
+            </a:lvl6pPr>
+            <a:lvl7pPr marL="2743200" algn="l" defTabSz="914400" rtl="0" eaLnBrk="1" latinLnBrk="0" hangingPunct="1">
+              <a:defRPr sz="1800" kern="1200">
+                <a:solidFill>
+                  <a:schemeClr val="tx1"/>
+                </a:solidFill>
+                <a:latin typeface="+mn-lt"/>
+                <a:ea typeface="+mn-ea"/>
+                <a:cs typeface="+mn-cs"/>
+              </a:defRPr>
+            </a:lvl7pPr>
+            <a:lvl8pPr marL="3200400" algn="l" defTabSz="914400" rtl="0" eaLnBrk="1" latinLnBrk="0" hangingPunct="1">
+              <a:defRPr sz="1800" kern="1200">
+                <a:solidFill>
+                  <a:schemeClr val="tx1"/>
+                </a:solidFill>
+                <a:latin typeface="+mn-lt"/>
+                <a:ea typeface="+mn-ea"/>
+                <a:cs typeface="+mn-cs"/>
+              </a:defRPr>
+            </a:lvl8pPr>
+            <a:lvl9pPr marL="3657600" algn="l" defTabSz="914400" rtl="0" eaLnBrk="1" latinLnBrk="0" hangingPunct="1">
+              <a:defRPr sz="1800" kern="1200">
+                <a:solidFill>
+                  <a:schemeClr val="tx1"/>
+                </a:solidFill>
+                <a:latin typeface="+mn-lt"/>
+                <a:ea typeface="+mn-ea"/>
+                <a:cs typeface="+mn-cs"/>
+              </a:defRPr>
+            </a:lvl9pPr>
+          </a:lstStyle>
+          <a:p>
+            <a:r>
+              <a:rPr lang="en-US" dirty="0"/>
+              <a:t>Infoway Technologies, 3rd  Floor Commerce Centre, Rambaug Colony, Paud Road Pune 411038</a:t>
+            </a:r>
+            <a:endParaRPr lang="en-IN" dirty="0"/>
+          </a:p>
+          <a:p>
+            <a:endParaRPr lang="en-US" dirty="0"/>
+          </a:p>
+        </p:txBody>
+      </p:sp>
+      <p:sp>
+        <p:nvSpPr>
+          <p:cNvPr id="10" name="Rectangle 9">
+            <a:extLst>
+              <a:ext uri="{FF2B5EF4-FFF2-40B4-BE49-F238E27FC236}">
+                <a16:creationId xmlns:a16="http://schemas.microsoft.com/office/drawing/2014/main" xmlns="" id="{09A4DD51-F450-4FA7-BA18-C2A26D10D72C}"/>
+              </a:ext>
+            </a:extLst>
+          </p:cNvPr>
+          <p:cNvSpPr/>
+          <p:nvPr/>
+        </p:nvSpPr>
+        <p:spPr>
+          <a:xfrm>
+            <a:off x="1523802" y="2"/>
+            <a:ext cx="9142810" cy="837473"/>
+          </a:xfrm>
+          <a:prstGeom prst="rect">
+            <a:avLst/>
+          </a:prstGeom>
+          <a:solidFill>
+            <a:schemeClr val="bg1"/>
+          </a:solidFill>
+        </p:spPr>
+        <p:txBody>
+          <a:bodyPr wrap="square">
+            <a:spAutoFit/>
+          </a:bodyPr>
+          <a:lstStyle/>
+          <a:p>
+            <a:pPr algn="r" fontAlgn="base">
+              <a:lnSpc>
+                <a:spcPct val="150000"/>
+              </a:lnSpc>
+            </a:pPr>
+            <a:r>
+              <a:rPr lang="en-US" sz="3600" dirty="0" smtClean="0"/>
+              <a:t>Rules of Foreign </a:t>
+            </a:r>
+            <a:r>
+              <a:rPr lang="en-US" sz="3600" dirty="0" smtClean="0"/>
+              <a:t>Key</a:t>
+            </a:r>
+            <a:endParaRPr lang="en-US" sz="3600" dirty="0"/>
+          </a:p>
+        </p:txBody>
+      </p:sp>
+      <p:sp>
+        <p:nvSpPr>
+          <p:cNvPr id="12" name="Rectangle 11">
+            <a:extLst>
+              <a:ext uri="{FF2B5EF4-FFF2-40B4-BE49-F238E27FC236}">
+                <a16:creationId xmlns:a16="http://schemas.microsoft.com/office/drawing/2014/main" xmlns="" id="{63045821-95B0-4EF7-B515-933F86C0D2DA}"/>
+              </a:ext>
+            </a:extLst>
+          </p:cNvPr>
+          <p:cNvSpPr/>
+          <p:nvPr/>
+        </p:nvSpPr>
+        <p:spPr>
+          <a:xfrm>
+            <a:off x="522090" y="1715334"/>
+            <a:ext cx="9145016" cy="1785104"/>
+          </a:xfrm>
+          <a:prstGeom prst="rect">
+            <a:avLst/>
+          </a:prstGeom>
+          <a:noFill/>
+        </p:spPr>
+        <p:txBody>
+          <a:bodyPr wrap="square">
+            <a:spAutoFit/>
+          </a:bodyPr>
+          <a:lstStyle/>
+          <a:p>
+            <a:r>
+              <a:rPr lang="en-US" sz="2200" dirty="0" smtClean="0">
+                <a:solidFill>
+                  <a:schemeClr val="bg2">
+                    <a:lumMod val="25000"/>
+                  </a:schemeClr>
+                </a:solidFill>
+                <a:latin typeface="Palatino Linotype" panose="02040502050505030304" pitchFamily="18" charset="0"/>
+              </a:rPr>
+              <a:t>FOREIGN key </a:t>
+            </a:r>
+            <a:r>
+              <a:rPr lang="en-US" sz="2200" dirty="0">
+                <a:solidFill>
+                  <a:schemeClr val="bg2">
+                    <a:lumMod val="25000"/>
+                  </a:schemeClr>
+                </a:solidFill>
+                <a:latin typeface="Palatino Linotype" panose="02040502050505030304" pitchFamily="18" charset="0"/>
+              </a:rPr>
+              <a:t>condition must follow some rules.</a:t>
+            </a:r>
+          </a:p>
+          <a:p>
+            <a:endParaRPr lang="en-US" sz="800" dirty="0">
+              <a:solidFill>
+                <a:srgbClr val="FF0000"/>
+              </a:solidFill>
+              <a:latin typeface="Palatino Linotype" panose="02040502050505030304" pitchFamily="18" charset="0"/>
+              <a:cs typeface="Arial" panose="020B0604020202020204" pitchFamily="34" charset="0"/>
+            </a:endParaRPr>
+          </a:p>
+          <a:p>
+            <a:endParaRPr lang="en-US" sz="800" dirty="0">
+              <a:solidFill>
+                <a:srgbClr val="FF0000"/>
+              </a:solidFill>
+              <a:latin typeface="Palatino Linotype" panose="02040502050505030304" pitchFamily="18" charset="0"/>
+              <a:cs typeface="Arial" panose="020B0604020202020204" pitchFamily="34" charset="0"/>
+            </a:endParaRPr>
+          </a:p>
+          <a:p>
+            <a:pPr marL="285750" indent="-285750">
+              <a:buFont typeface="Arial" panose="020B0604020202020204" pitchFamily="34" charset="0"/>
+              <a:buChar char="•"/>
+            </a:pPr>
+            <a:r>
+              <a:rPr lang="en-IN" dirty="0" smtClean="0">
+                <a:latin typeface="Palatino Linotype" panose="02040502050505030304" pitchFamily="18" charset="0"/>
+                <a:cs typeface="Segoe UI Light" panose="020B0502040204020203" pitchFamily="34" charset="0"/>
+              </a:rPr>
+              <a:t>A foreign key column can have a different name from its primary key column.</a:t>
+            </a:r>
+          </a:p>
+          <a:p>
+            <a:pPr marL="285750" indent="-285750">
+              <a:buFont typeface="Arial" panose="020B0604020202020204" pitchFamily="34" charset="0"/>
+              <a:buChar char="•"/>
+            </a:pPr>
+            <a:r>
+              <a:rPr lang="en-IN" dirty="0" smtClean="0">
+                <a:latin typeface="Palatino Linotype" panose="02040502050505030304" pitchFamily="18" charset="0"/>
+                <a:cs typeface="Segoe UI Light" panose="020B0502040204020203" pitchFamily="34" charset="0"/>
+              </a:rPr>
+              <a:t>DataType of primary key and foreign key column must be same.</a:t>
+            </a:r>
+          </a:p>
+          <a:p>
+            <a:pPr marL="285750" indent="-285750">
+              <a:buFont typeface="Arial" panose="020B0604020202020204" pitchFamily="34" charset="0"/>
+              <a:buChar char="•"/>
+            </a:pPr>
+            <a:r>
+              <a:rPr lang="en-IN" dirty="0" smtClean="0">
+                <a:latin typeface="Palatino Linotype" panose="02040502050505030304" pitchFamily="18" charset="0"/>
+                <a:cs typeface="Segoe UI Light" panose="020B0502040204020203" pitchFamily="34" charset="0"/>
+              </a:rPr>
+              <a:t>It ensures rows in one table have corresponding rows in another.</a:t>
+            </a:r>
+          </a:p>
+          <a:p>
+            <a:pPr marL="285750" indent="-285750">
+              <a:buFont typeface="Arial" panose="020B0604020202020204" pitchFamily="34" charset="0"/>
+              <a:buChar char="•"/>
+            </a:pPr>
+            <a:r>
+              <a:rPr lang="en-IN" dirty="0" smtClean="0">
+                <a:latin typeface="Palatino Linotype" panose="02040502050505030304" pitchFamily="18" charset="0"/>
+                <a:cs typeface="Segoe UI Light" panose="020B0502040204020203" pitchFamily="34" charset="0"/>
+              </a:rPr>
+              <a:t>Foreign keys can be NULL value even though primary keys can not.</a:t>
+            </a:r>
+            <a:endParaRPr lang="en-IN" dirty="0">
+              <a:latin typeface="Palatino Linotype" panose="02040502050505030304" pitchFamily="18" charset="0"/>
+              <a:cs typeface="Segoe UI Light" panose="020B0502040204020203" pitchFamily="34" charset="0"/>
+            </a:endParaRPr>
+          </a:p>
+        </p:txBody>
+      </p:sp>
       <p:sp>
         <p:nvSpPr>
           <p:cNvPr id="13" name="Rectangle 12"/>
@@ -5053,7 +5409,7 @@
     </p:spTree>
     <p:extLst>
       <p:ext uri="{BB962C8B-B14F-4D97-AF65-F5344CB8AC3E}">
-        <p14:creationId xmlns="" xmlns:p14="http://schemas.microsoft.com/office/powerpoint/2010/main" val="2850906017"/>
+        <p14:creationId xmlns:p14="http://schemas.microsoft.com/office/powerpoint/2010/main" xmlns="" val="2850906017"/>
       </p:ext>
     </p:extLst>
   </p:cSld>
@@ -5114,51 +5470,6 @@
                       </p:childTnLst>
                     </p:cTn>
                   </p:par>
-                  <p:par>
-                    <p:cTn id="7" fill="hold">
-                      <p:stCondLst>
-                        <p:cond delay="indefinite"/>
-                      </p:stCondLst>
-                      <p:childTnLst>
-                        <p:par>
-                          <p:cTn id="8" fill="hold">
-                            <p:stCondLst>
-                              <p:cond delay="0"/>
-                            </p:stCondLst>
-                            <p:childTnLst>
-                              <p:par>
-                                <p:cTn id="9" presetID="1" presetClass="entr" presetSubtype="0" fill="hold" grpId="0" nodeType="clickEffect">
-                                  <p:stCondLst>
-                                    <p:cond delay="0"/>
-                                  </p:stCondLst>
-                                  <p:childTnLst>
-                                    <p:set>
-                                      <p:cBhvr>
-                                        <p:cTn id="10" dur="1" fill="hold">
-                                          <p:stCondLst>
-                                            <p:cond delay="0"/>
-                                          </p:stCondLst>
-                                        </p:cTn>
-                                        <p:tgtEl>
-                                          <p:spTgt spid="14"/>
-                                        </p:tgtEl>
-                                        <p:attrNameLst>
-                                          <p:attrName>style.visibility</p:attrName>
-                                        </p:attrNameLst>
-                                      </p:cBhvr>
-                                      <p:to>
-                                        <p:strVal val="visible"/>
-                                      </p:to>
-                                    </p:set>
-                                  </p:childTnLst>
-                                </p:cTn>
-                              </p:par>
-                            </p:childTnLst>
-                          </p:cTn>
-                        </p:par>
-                      </p:childTnLst>
-                    </p:cTn>
-                  </p:par>
                 </p:childTnLst>
               </p:cTn>
               <p:prevCondLst>
@@ -5182,427 +5493,7 @@
     </p:tnLst>
     <p:bldLst>
       <p:bldP spid="12" grpId="0"/>
-      <p:bldP spid="14" grpId="0" animBg="1"/>
     </p:bldLst>
-  </p:timing>
-</p:sld>
-</file>
-
-<file path=ppt/slides/slide3.xml><?xml version="1.0" encoding="utf-8"?>
-<p:sld xmlns:a="http://schemas.openxmlformats.org/drawingml/2006/main" xmlns:r="http://schemas.openxmlformats.org/officeDocument/2006/relationships" xmlns:p="http://schemas.openxmlformats.org/presentationml/2006/main">
-  <p:cSld>
-    <p:spTree>
-      <p:nvGrpSpPr>
-        <p:cNvPr id="1" name=""/>
-        <p:cNvGrpSpPr/>
-        <p:nvPr/>
-      </p:nvGrpSpPr>
-      <p:grpSpPr>
-        <a:xfrm>
-          <a:off x="0" y="0"/>
-          <a:ext cx="0" cy="0"/>
-          <a:chOff x="0" y="0"/>
-          <a:chExt cx="0" cy="0"/>
-        </a:xfrm>
-      </p:grpSpPr>
-      <p:pic>
-        <p:nvPicPr>
-          <p:cNvPr id="5" name="Picture 4">
-            <a:extLst>
-              <a:ext uri="{FF2B5EF4-FFF2-40B4-BE49-F238E27FC236}">
-                <a16:creationId xmlns="" xmlns:a16="http://schemas.microsoft.com/office/drawing/2014/main" id="{508B0317-559F-472C-B452-0762ADEBE614}"/>
-              </a:ext>
-            </a:extLst>
-          </p:cNvPr>
-          <p:cNvPicPr>
-            <a:picLocks noChangeAspect="1"/>
-          </p:cNvPicPr>
-          <p:nvPr/>
-        </p:nvPicPr>
-        <p:blipFill>
-          <a:blip r:embed="rId2" cstate="print">
-            <a:extLst>
-              <a:ext uri="{28A0092B-C50C-407E-A947-70E740481C1C}">
-                <a14:useLocalDpi xmlns="" xmlns:a14="http://schemas.microsoft.com/office/drawing/2010/main" val="0"/>
-              </a:ext>
-            </a:extLst>
-          </a:blip>
-          <a:stretch>
-            <a:fillRect/>
-          </a:stretch>
-        </p:blipFill>
-        <p:spPr>
-          <a:xfrm>
-            <a:off x="118542" y="116632"/>
-            <a:ext cx="1371859" cy="445150"/>
-          </a:xfrm>
-          <a:prstGeom prst="rect">
-            <a:avLst/>
-          </a:prstGeom>
-        </p:spPr>
-      </p:pic>
-      <p:sp>
-        <p:nvSpPr>
-          <p:cNvPr id="8" name="Footer Placeholder 2">
-            <a:extLst>
-              <a:ext uri="{FF2B5EF4-FFF2-40B4-BE49-F238E27FC236}">
-                <a16:creationId xmlns="" xmlns:a16="http://schemas.microsoft.com/office/drawing/2014/main" id="{1EE043BC-1C46-4295-BFAB-C88EC9A1E044}"/>
-              </a:ext>
-            </a:extLst>
-          </p:cNvPr>
-          <p:cNvSpPr txBox="1">
-            <a:spLocks/>
-          </p:cNvSpPr>
-          <p:nvPr/>
-        </p:nvSpPr>
-        <p:spPr>
-          <a:xfrm>
-            <a:off x="3237431" y="6523037"/>
-            <a:ext cx="5400600" cy="365125"/>
-          </a:xfrm>
-          <a:prstGeom prst="rect">
-            <a:avLst/>
-          </a:prstGeom>
-        </p:spPr>
-        <p:txBody>
-          <a:bodyPr/>
-          <a:lstStyle>
-            <a:defPPr>
-              <a:defRPr lang="en-US"/>
-            </a:defPPr>
-            <a:lvl1pPr marL="0" algn="l" defTabSz="914400" rtl="0" eaLnBrk="1" latinLnBrk="0" hangingPunct="1">
-              <a:defRPr sz="1050" kern="1200">
-                <a:solidFill>
-                  <a:schemeClr val="tx1"/>
-                </a:solidFill>
-                <a:latin typeface="+mn-lt"/>
-                <a:ea typeface="+mn-ea"/>
-                <a:cs typeface="+mn-cs"/>
-              </a:defRPr>
-            </a:lvl1pPr>
-            <a:lvl2pPr marL="457200" algn="l" defTabSz="914400" rtl="0" eaLnBrk="1" latinLnBrk="0" hangingPunct="1">
-              <a:defRPr sz="1800" kern="1200">
-                <a:solidFill>
-                  <a:schemeClr val="tx1"/>
-                </a:solidFill>
-                <a:latin typeface="+mn-lt"/>
-                <a:ea typeface="+mn-ea"/>
-                <a:cs typeface="+mn-cs"/>
-              </a:defRPr>
-            </a:lvl2pPr>
-            <a:lvl3pPr marL="914400" algn="l" defTabSz="914400" rtl="0" eaLnBrk="1" latinLnBrk="0" hangingPunct="1">
-              <a:defRPr sz="1800" kern="1200">
-                <a:solidFill>
-                  <a:schemeClr val="tx1"/>
-                </a:solidFill>
-                <a:latin typeface="+mn-lt"/>
-                <a:ea typeface="+mn-ea"/>
-                <a:cs typeface="+mn-cs"/>
-              </a:defRPr>
-            </a:lvl3pPr>
-            <a:lvl4pPr marL="1371600" algn="l" defTabSz="914400" rtl="0" eaLnBrk="1" latinLnBrk="0" hangingPunct="1">
-              <a:defRPr sz="1800" kern="1200">
-                <a:solidFill>
-                  <a:schemeClr val="tx1"/>
-                </a:solidFill>
-                <a:latin typeface="+mn-lt"/>
-                <a:ea typeface="+mn-ea"/>
-                <a:cs typeface="+mn-cs"/>
-              </a:defRPr>
-            </a:lvl4pPr>
-            <a:lvl5pPr marL="1828800" algn="l" defTabSz="914400" rtl="0" eaLnBrk="1" latinLnBrk="0" hangingPunct="1">
-              <a:defRPr sz="1800" kern="1200">
-                <a:solidFill>
-                  <a:schemeClr val="tx1"/>
-                </a:solidFill>
-                <a:latin typeface="+mn-lt"/>
-                <a:ea typeface="+mn-ea"/>
-                <a:cs typeface="+mn-cs"/>
-              </a:defRPr>
-            </a:lvl5pPr>
-            <a:lvl6pPr marL="2286000" algn="l" defTabSz="914400" rtl="0" eaLnBrk="1" latinLnBrk="0" hangingPunct="1">
-              <a:defRPr sz="1800" kern="1200">
-                <a:solidFill>
-                  <a:schemeClr val="tx1"/>
-                </a:solidFill>
-                <a:latin typeface="+mn-lt"/>
-                <a:ea typeface="+mn-ea"/>
-                <a:cs typeface="+mn-cs"/>
-              </a:defRPr>
-            </a:lvl6pPr>
-            <a:lvl7pPr marL="2743200" algn="l" defTabSz="914400" rtl="0" eaLnBrk="1" latinLnBrk="0" hangingPunct="1">
-              <a:defRPr sz="1800" kern="1200">
-                <a:solidFill>
-                  <a:schemeClr val="tx1"/>
-                </a:solidFill>
-                <a:latin typeface="+mn-lt"/>
-                <a:ea typeface="+mn-ea"/>
-                <a:cs typeface="+mn-cs"/>
-              </a:defRPr>
-            </a:lvl7pPr>
-            <a:lvl8pPr marL="3200400" algn="l" defTabSz="914400" rtl="0" eaLnBrk="1" latinLnBrk="0" hangingPunct="1">
-              <a:defRPr sz="1800" kern="1200">
-                <a:solidFill>
-                  <a:schemeClr val="tx1"/>
-                </a:solidFill>
-                <a:latin typeface="+mn-lt"/>
-                <a:ea typeface="+mn-ea"/>
-                <a:cs typeface="+mn-cs"/>
-              </a:defRPr>
-            </a:lvl8pPr>
-            <a:lvl9pPr marL="3657600" algn="l" defTabSz="914400" rtl="0" eaLnBrk="1" latinLnBrk="0" hangingPunct="1">
-              <a:defRPr sz="1800" kern="1200">
-                <a:solidFill>
-                  <a:schemeClr val="tx1"/>
-                </a:solidFill>
-                <a:latin typeface="+mn-lt"/>
-                <a:ea typeface="+mn-ea"/>
-                <a:cs typeface="+mn-cs"/>
-              </a:defRPr>
-            </a:lvl9pPr>
-          </a:lstStyle>
-          <a:p>
-            <a:r>
-              <a:rPr lang="en-US" dirty="0"/>
-              <a:t>Infoway Technologies, 3rd  Floor Commerce Centre, Rambaug Colony, Paud Road Pune 411038</a:t>
-            </a:r>
-            <a:endParaRPr lang="en-IN" dirty="0"/>
-          </a:p>
-          <a:p>
-            <a:endParaRPr lang="en-US" dirty="0"/>
-          </a:p>
-        </p:txBody>
-      </p:sp>
-      <p:sp>
-        <p:nvSpPr>
-          <p:cNvPr id="9" name="Rectangle 8">
-            <a:extLst>
-              <a:ext uri="{FF2B5EF4-FFF2-40B4-BE49-F238E27FC236}">
-                <a16:creationId xmlns="" xmlns:a16="http://schemas.microsoft.com/office/drawing/2014/main" id="{09A4DD51-F450-4FA7-BA18-C2A26D10D72C}"/>
-              </a:ext>
-            </a:extLst>
-          </p:cNvPr>
-          <p:cNvSpPr/>
-          <p:nvPr/>
-        </p:nvSpPr>
-        <p:spPr>
-          <a:xfrm>
-            <a:off x="1523802" y="2"/>
-            <a:ext cx="9142810" cy="837473"/>
-          </a:xfrm>
-          <a:prstGeom prst="rect">
-            <a:avLst/>
-          </a:prstGeom>
-          <a:solidFill>
-            <a:schemeClr val="bg1"/>
-          </a:solidFill>
-        </p:spPr>
-        <p:txBody>
-          <a:bodyPr wrap="square">
-            <a:spAutoFit/>
-          </a:bodyPr>
-          <a:lstStyle/>
-          <a:p>
-            <a:pPr algn="r" fontAlgn="base">
-              <a:lnSpc>
-                <a:spcPct val="150000"/>
-              </a:lnSpc>
-            </a:pPr>
-            <a:r>
-              <a:rPr lang="en-US" sz="3600" dirty="0" smtClean="0"/>
-              <a:t>Foreign Key</a:t>
-            </a:r>
-            <a:endParaRPr lang="en-US" sz="3600" dirty="0"/>
-          </a:p>
-        </p:txBody>
-      </p:sp>
-      <p:sp>
-        <p:nvSpPr>
-          <p:cNvPr id="7" name="Rectangle 6"/>
-          <p:cNvSpPr/>
-          <p:nvPr/>
-        </p:nvSpPr>
-        <p:spPr>
-          <a:xfrm>
-            <a:off x="657307" y="980728"/>
-            <a:ext cx="6092825" cy="4247317"/>
-          </a:xfrm>
-          <a:prstGeom prst="rect">
-            <a:avLst/>
-          </a:prstGeom>
-        </p:spPr>
-        <p:txBody>
-          <a:bodyPr>
-            <a:spAutoFit/>
-          </a:bodyPr>
-          <a:lstStyle/>
-          <a:p>
-            <a:r>
-              <a:rPr lang="en-US" dirty="0" smtClean="0"/>
-              <a:t>CREATE TABLE student (  </a:t>
-            </a:r>
-          </a:p>
-          <a:p>
-            <a:r>
-              <a:rPr lang="en-US" dirty="0" smtClean="0"/>
-              <a:t>   ID INT(11) PRIMARY KEY,</a:t>
-            </a:r>
-          </a:p>
-          <a:p>
-            <a:r>
-              <a:rPr lang="en-US" dirty="0" smtClean="0"/>
-              <a:t>   firstName VARCHAR(45),</a:t>
-            </a:r>
-          </a:p>
-          <a:p>
-            <a:r>
-              <a:rPr lang="en-US" dirty="0" smtClean="0"/>
-              <a:t>   lastName VARCHAR(45),</a:t>
-            </a:r>
-          </a:p>
-          <a:p>
-            <a:r>
-              <a:rPr lang="en-US" dirty="0" smtClean="0"/>
-              <a:t>   DoB DATE,</a:t>
-            </a:r>
-          </a:p>
-          <a:p>
-            <a:r>
-              <a:rPr lang="en-US" dirty="0" smtClean="0"/>
-              <a:t>   emailID VARCHAR(145)</a:t>
-            </a:r>
-          </a:p>
-          <a:p>
-            <a:r>
-              <a:rPr lang="en-US" dirty="0" smtClean="0"/>
-              <a:t> );  </a:t>
-            </a:r>
-          </a:p>
-          <a:p>
-            <a:endParaRPr lang="en-US" dirty="0" smtClean="0"/>
-          </a:p>
-          <a:p>
-            <a:endParaRPr lang="en-US" dirty="0" smtClean="0"/>
-          </a:p>
-          <a:p>
-            <a:r>
-              <a:rPr lang="en-US" dirty="0" smtClean="0"/>
-              <a:t>CREATE TABLE student_address (  </a:t>
-            </a:r>
-          </a:p>
-          <a:p>
-            <a:r>
-              <a:rPr lang="en-US" dirty="0" smtClean="0"/>
-              <a:t>   studentID INT PRIMARY KEY,  </a:t>
-            </a:r>
-          </a:p>
-          <a:p>
-            <a:r>
-              <a:rPr lang="en-US" dirty="0" smtClean="0"/>
-              <a:t>   address VARCHAR(45),  </a:t>
-            </a:r>
-          </a:p>
-          <a:p>
-            <a:r>
-              <a:rPr lang="en-US" dirty="0" smtClean="0"/>
-              <a:t>   city VARCHAR(45) ,  </a:t>
-            </a:r>
-          </a:p>
-          <a:p>
-            <a:r>
-              <a:rPr lang="en-US" dirty="0" smtClean="0"/>
-              <a:t>   FOREIGN KEY (studentID) REFERENCES student(ID)  </a:t>
-            </a:r>
-          </a:p>
-          <a:p>
-            <a:r>
-              <a:rPr lang="en-US" dirty="0" smtClean="0"/>
-              <a:t>);</a:t>
-            </a:r>
-            <a:endParaRPr lang="en-US" dirty="0"/>
-          </a:p>
-        </p:txBody>
-      </p:sp>
-      <p:pic>
-        <p:nvPicPr>
-          <p:cNvPr id="2050" name="Picture 2"/>
-          <p:cNvPicPr>
-            <a:picLocks noChangeAspect="1" noChangeArrowheads="1"/>
-          </p:cNvPicPr>
-          <p:nvPr/>
-        </p:nvPicPr>
-        <p:blipFill>
-          <a:blip r:embed="rId3" cstate="print"/>
-          <a:srcRect/>
-          <a:stretch>
-            <a:fillRect/>
-          </a:stretch>
-        </p:blipFill>
-        <p:spPr bwMode="auto">
-          <a:xfrm>
-            <a:off x="6167214" y="1052736"/>
-            <a:ext cx="3672408" cy="4448423"/>
-          </a:xfrm>
-          <a:prstGeom prst="rect">
-            <a:avLst/>
-          </a:prstGeom>
-          <a:noFill/>
-          <a:ln w="9525">
-            <a:noFill/>
-            <a:miter lim="800000"/>
-            <a:headEnd/>
-            <a:tailEnd/>
-          </a:ln>
-        </p:spPr>
-      </p:pic>
-      <p:sp>
-        <p:nvSpPr>
-          <p:cNvPr id="10" name="Rectangle 9"/>
-          <p:cNvSpPr/>
-          <p:nvPr/>
-        </p:nvSpPr>
-        <p:spPr>
-          <a:xfrm>
-            <a:off x="11755679" y="0"/>
-            <a:ext cx="434734" cy="369332"/>
-          </a:xfrm>
-          <a:prstGeom prst="rect">
-            <a:avLst/>
-          </a:prstGeom>
-        </p:spPr>
-        <p:txBody>
-          <a:bodyPr wrap="none">
-            <a:spAutoFit/>
-          </a:bodyPr>
-          <a:lstStyle/>
-          <a:p>
-            <a:r>
-              <a:rPr lang="en-IN" dirty="0" smtClean="0">
-                <a:latin typeface="Segoe UI Light" panose="020B0502040204020203" pitchFamily="34" charset="0"/>
-                <a:cs typeface="Segoe UI Light" panose="020B0502040204020203" pitchFamily="34" charset="0"/>
-              </a:rPr>
-              <a:t>(9)</a:t>
-            </a:r>
-            <a:endParaRPr lang="en-US" dirty="0"/>
-          </a:p>
-        </p:txBody>
-      </p:sp>
-    </p:spTree>
-    <p:extLst>
-      <p:ext uri="{BB962C8B-B14F-4D97-AF65-F5344CB8AC3E}">
-        <p14:creationId xmlns="" xmlns:p14="http://schemas.microsoft.com/office/powerpoint/2010/main" val="2216512537"/>
-      </p:ext>
-    </p:extLst>
-  </p:cSld>
-  <p:clrMapOvr>
-    <a:masterClrMapping/>
-  </p:clrMapOvr>
-  <p:timing>
-    <p:tnLst>
-      <p:par>
-        <p:cTn id="1" dur="indefinite" restart="never" nodeType="tmRoot"/>
-      </p:par>
-    </p:tnLst>
   </p:timing>
 </p:sld>
 </file>
@@ -5629,7 +5520,7 @@
           <p:cNvPr id="5" name="Picture 4">
             <a:extLst>
               <a:ext uri="{FF2B5EF4-FFF2-40B4-BE49-F238E27FC236}">
-                <a16:creationId xmlns="" xmlns:a16="http://schemas.microsoft.com/office/drawing/2014/main" id="{508B0317-559F-472C-B452-0762ADEBE614}"/>
+                <a16:creationId xmlns:a16="http://schemas.microsoft.com/office/drawing/2014/main" xmlns="" id="{508B0317-559F-472C-B452-0762ADEBE614}"/>
               </a:ext>
             </a:extLst>
           </p:cNvPr>
@@ -5642,7 +5533,7 @@
           <a:blip r:embed="rId2" cstate="print">
             <a:extLst>
               <a:ext uri="{28A0092B-C50C-407E-A947-70E740481C1C}">
-                <a14:useLocalDpi xmlns="" xmlns:a14="http://schemas.microsoft.com/office/drawing/2010/main" val="0"/>
+                <a14:useLocalDpi xmlns:a14="http://schemas.microsoft.com/office/drawing/2010/main" xmlns="" val="0"/>
               </a:ext>
             </a:extLst>
           </a:blip>
@@ -5665,7 +5556,7 @@
           <p:cNvPr id="8" name="Footer Placeholder 2">
             <a:extLst>
               <a:ext uri="{FF2B5EF4-FFF2-40B4-BE49-F238E27FC236}">
-                <a16:creationId xmlns="" xmlns:a16="http://schemas.microsoft.com/office/drawing/2014/main" id="{1EE043BC-1C46-4295-BFAB-C88EC9A1E044}"/>
+                <a16:creationId xmlns:a16="http://schemas.microsoft.com/office/drawing/2014/main" xmlns="" id="{1EE043BC-1C46-4295-BFAB-C88EC9A1E044}"/>
               </a:ext>
             </a:extLst>
           </p:cNvPr>
@@ -5797,7 +5688,7 @@
           <p:cNvPr id="9" name="Rectangle 8">
             <a:extLst>
               <a:ext uri="{FF2B5EF4-FFF2-40B4-BE49-F238E27FC236}">
-                <a16:creationId xmlns="" xmlns:a16="http://schemas.microsoft.com/office/drawing/2014/main" id="{09A4DD51-F450-4FA7-BA18-C2A26D10D72C}"/>
+                <a16:creationId xmlns:a16="http://schemas.microsoft.com/office/drawing/2014/main" xmlns="" id="{09A4DD51-F450-4FA7-BA18-C2A26D10D72C}"/>
               </a:ext>
             </a:extLst>
           </p:cNvPr>
@@ -5829,15 +5720,134 @@
             </a:pPr>
             <a:r>
               <a:rPr lang="en-US" sz="3600" dirty="0" smtClean="0"/>
-              <a:t>Foreign Key</a:t>
+              <a:t>Examples </a:t>
+            </a:r>
+            <a:r>
+              <a:rPr lang="en-US" sz="3600" dirty="0" smtClean="0"/>
+              <a:t>of </a:t>
+            </a:r>
+            <a:r>
+              <a:rPr lang="en-US" sz="3600" dirty="0" smtClean="0"/>
+              <a:t>Foreign </a:t>
+            </a:r>
+            <a:r>
+              <a:rPr lang="en-US" sz="3600" dirty="0" smtClean="0"/>
+              <a:t>Key</a:t>
             </a:r>
             <a:endParaRPr lang="en-US" sz="3600" dirty="0"/>
+          </a:p>
+        </p:txBody>
+      </p:sp>
+      <p:sp>
+        <p:nvSpPr>
+          <p:cNvPr id="7" name="Rectangle 6"/>
+          <p:cNvSpPr/>
+          <p:nvPr/>
+        </p:nvSpPr>
+        <p:spPr>
+          <a:xfrm>
+            <a:off x="657307" y="980728"/>
+            <a:ext cx="6092825" cy="4247317"/>
+          </a:xfrm>
+          <a:prstGeom prst="rect">
+            <a:avLst/>
+          </a:prstGeom>
+        </p:spPr>
+        <p:txBody>
+          <a:bodyPr>
+            <a:spAutoFit/>
+          </a:bodyPr>
+          <a:lstStyle/>
+          <a:p>
+            <a:r>
+              <a:rPr lang="en-US" dirty="0" smtClean="0"/>
+              <a:t>CREATE TABLE student (  </a:t>
+            </a:r>
+          </a:p>
+          <a:p>
+            <a:r>
+              <a:rPr lang="en-US" dirty="0" smtClean="0"/>
+              <a:t>   ID INT(11) PRIMARY KEY,</a:t>
+            </a:r>
+          </a:p>
+          <a:p>
+            <a:r>
+              <a:rPr lang="en-US" dirty="0" smtClean="0"/>
+              <a:t>   firstName VARCHAR(45),</a:t>
+            </a:r>
+          </a:p>
+          <a:p>
+            <a:r>
+              <a:rPr lang="en-US" dirty="0" smtClean="0"/>
+              <a:t>   lastName VARCHAR(45),</a:t>
+            </a:r>
+          </a:p>
+          <a:p>
+            <a:r>
+              <a:rPr lang="en-US" dirty="0" smtClean="0"/>
+              <a:t>   DoB DATE,</a:t>
+            </a:r>
+          </a:p>
+          <a:p>
+            <a:r>
+              <a:rPr lang="en-US" dirty="0" smtClean="0"/>
+              <a:t>   emailID VARCHAR(145)</a:t>
+            </a:r>
+          </a:p>
+          <a:p>
+            <a:r>
+              <a:rPr lang="en-US" dirty="0" smtClean="0"/>
+              <a:t> );  </a:t>
+            </a:r>
+          </a:p>
+          <a:p>
+            <a:endParaRPr lang="en-US" dirty="0" smtClean="0"/>
+          </a:p>
+          <a:p>
+            <a:endParaRPr lang="en-US" dirty="0" smtClean="0"/>
+          </a:p>
+          <a:p>
+            <a:r>
+              <a:rPr lang="en-US" dirty="0" smtClean="0"/>
+              <a:t>CREATE TABLE student_address (  </a:t>
+            </a:r>
+          </a:p>
+          <a:p>
+            <a:r>
+              <a:rPr lang="en-US" dirty="0" smtClean="0"/>
+              <a:t>   studentID INT PRIMARY KEY,  </a:t>
+            </a:r>
+          </a:p>
+          <a:p>
+            <a:r>
+              <a:rPr lang="en-US" dirty="0" smtClean="0"/>
+              <a:t>   address VARCHAR(45),  </a:t>
+            </a:r>
+          </a:p>
+          <a:p>
+            <a:r>
+              <a:rPr lang="en-US" dirty="0" smtClean="0"/>
+              <a:t>   city VARCHAR(45) ,  </a:t>
+            </a:r>
+          </a:p>
+          <a:p>
+            <a:r>
+              <a:rPr lang="en-US" dirty="0" smtClean="0"/>
+              <a:t>   FOREIGN KEY (studentID) REFERENCES student(ID)  </a:t>
+            </a:r>
+          </a:p>
+          <a:p>
+            <a:r>
+              <a:rPr lang="en-US" dirty="0" smtClean="0"/>
+              <a:t>);</a:t>
+            </a:r>
+            <a:endParaRPr lang="en-US" dirty="0"/>
           </a:p>
         </p:txBody>
       </p:sp>
       <p:pic>
         <p:nvPicPr>
-          <p:cNvPr id="3074" name="Picture 2"/>
+          <p:cNvPr id="2050" name="Picture 2"/>
           <p:cNvPicPr>
             <a:picLocks noChangeAspect="1" noChangeArrowheads="1"/>
           </p:cNvPicPr>
@@ -5852,8 +5862,8 @@
         </p:blipFill>
         <p:spPr bwMode="auto">
           <a:xfrm>
-            <a:off x="6959302" y="1124744"/>
-            <a:ext cx="3312368" cy="5188189"/>
+            <a:off x="6167214" y="1052736"/>
+            <a:ext cx="3672408" cy="4448423"/>
           </a:xfrm>
           <a:prstGeom prst="rect">
             <a:avLst/>
@@ -5875,119 +5885,6 @@
         </p:nvSpPr>
         <p:spPr>
           <a:xfrm>
-            <a:off x="550590" y="1124744"/>
-            <a:ext cx="6092825" cy="4801314"/>
-          </a:xfrm>
-          <a:prstGeom prst="rect">
-            <a:avLst/>
-          </a:prstGeom>
-        </p:spPr>
-        <p:txBody>
-          <a:bodyPr>
-            <a:spAutoFit/>
-          </a:bodyPr>
-          <a:lstStyle/>
-          <a:p>
-            <a:r>
-              <a:rPr lang="en-US" dirty="0" smtClean="0"/>
-              <a:t>CREATE TABLE student (  </a:t>
-            </a:r>
-          </a:p>
-          <a:p>
-            <a:r>
-              <a:rPr lang="en-US" dirty="0" smtClean="0"/>
-              <a:t>   ID INT(11) PRIMARY KEY,</a:t>
-            </a:r>
-          </a:p>
-          <a:p>
-            <a:r>
-              <a:rPr lang="en-US" dirty="0" smtClean="0"/>
-              <a:t>   firstName VARCHAR(45),</a:t>
-            </a:r>
-          </a:p>
-          <a:p>
-            <a:r>
-              <a:rPr lang="en-US" dirty="0" smtClean="0"/>
-              <a:t>   lastName VARCHAR(45),</a:t>
-            </a:r>
-          </a:p>
-          <a:p>
-            <a:r>
-              <a:rPr lang="en-US" dirty="0" smtClean="0"/>
-              <a:t>   DoB DATE,</a:t>
-            </a:r>
-          </a:p>
-          <a:p>
-            <a:r>
-              <a:rPr lang="en-US" dirty="0" smtClean="0"/>
-              <a:t>   emailID VARCHAR(145)</a:t>
-            </a:r>
-          </a:p>
-          <a:p>
-            <a:r>
-              <a:rPr lang="en-US" dirty="0" smtClean="0"/>
-              <a:t> );  </a:t>
-            </a:r>
-          </a:p>
-          <a:p>
-            <a:endParaRPr lang="en-US" dirty="0" smtClean="0"/>
-          </a:p>
-          <a:p>
-            <a:endParaRPr lang="en-US" dirty="0" smtClean="0"/>
-          </a:p>
-          <a:p>
-            <a:endParaRPr lang="en-US" dirty="0" smtClean="0"/>
-          </a:p>
-          <a:p>
-            <a:endParaRPr lang="en-US" dirty="0" smtClean="0"/>
-          </a:p>
-          <a:p>
-            <a:r>
-              <a:rPr lang="en-US" dirty="0" smtClean="0"/>
-              <a:t>CREATE TABLE student_hobbies (  </a:t>
-            </a:r>
-          </a:p>
-          <a:p>
-            <a:r>
-              <a:rPr lang="en-US" dirty="0" smtClean="0"/>
-              <a:t>   ID INT PRIMARY KEY,  </a:t>
-            </a:r>
-          </a:p>
-          <a:p>
-            <a:r>
-              <a:rPr lang="en-US" dirty="0" smtClean="0"/>
-              <a:t>   studentID INT,</a:t>
-            </a:r>
-          </a:p>
-          <a:p>
-            <a:r>
-              <a:rPr lang="en-US" dirty="0" smtClean="0"/>
-              <a:t>   name VARCHAR(45),</a:t>
-            </a:r>
-          </a:p>
-          <a:p>
-            <a:r>
-              <a:rPr lang="en-US" dirty="0" smtClean="0"/>
-              <a:t>   FOREIGN KEY (studentID)   REFERENCES student(ID)</a:t>
-            </a:r>
-          </a:p>
-          <a:p>
-            <a:r>
-              <a:rPr lang="en-US" dirty="0" smtClean="0"/>
-              <a:t>);</a:t>
-            </a:r>
-            <a:endParaRPr lang="en-US" dirty="0"/>
-          </a:p>
-        </p:txBody>
-      </p:sp>
-      <p:sp>
-        <p:nvSpPr>
-          <p:cNvPr id="7" name="Rectangle 6"/>
-          <p:cNvSpPr/>
-          <p:nvPr/>
-        </p:nvSpPr>
-        <p:spPr>
-          <a:xfrm>
             <a:off x="11755679" y="0"/>
             <a:ext cx="434734" cy="369332"/>
           </a:xfrm>
@@ -6015,7 +5912,7 @@
     </p:spTree>
     <p:extLst>
       <p:ext uri="{BB962C8B-B14F-4D97-AF65-F5344CB8AC3E}">
-        <p14:creationId xmlns="" xmlns:p14="http://schemas.microsoft.com/office/powerpoint/2010/main" val="2216512537"/>
+        <p14:creationId xmlns:p14="http://schemas.microsoft.com/office/powerpoint/2010/main" xmlns="" val="2216512537"/>
       </p:ext>
     </p:extLst>
   </p:cSld>
@@ -6049,68 +5946,12 @@
           <a:chExt cx="0" cy="0"/>
         </a:xfrm>
       </p:grpSpPr>
-      <p:sp>
-        <p:nvSpPr>
-          <p:cNvPr id="5" name="Rectangle 4"/>
-          <p:cNvSpPr/>
-          <p:nvPr/>
-        </p:nvSpPr>
-        <p:spPr>
-          <a:xfrm>
-            <a:off x="358716" y="899428"/>
-            <a:ext cx="9281562" cy="369332"/>
-          </a:xfrm>
-          <a:prstGeom prst="rect">
-            <a:avLst/>
-          </a:prstGeom>
-        </p:spPr>
-        <p:txBody>
-          <a:bodyPr wrap="square">
-            <a:spAutoFit/>
-          </a:bodyPr>
-          <a:lstStyle/>
-          <a:p>
-            <a:r>
-              <a:rPr lang="en-US" dirty="0" smtClean="0"/>
-              <a:t>The </a:t>
-            </a:r>
-            <a:r>
-              <a:rPr lang="en-US" b="1" dirty="0" smtClean="0"/>
-              <a:t>INSERT</a:t>
-            </a:r>
-            <a:r>
-              <a:rPr lang="en-US" dirty="0" smtClean="0"/>
-              <a:t> </a:t>
-            </a:r>
-            <a:r>
-              <a:rPr lang="en-US" b="1" dirty="0" smtClean="0"/>
-              <a:t>INTO</a:t>
-            </a:r>
-            <a:r>
-              <a:rPr lang="en-US" dirty="0" smtClean="0"/>
-              <a:t> s</a:t>
-            </a:r>
-            <a:r>
-              <a:rPr lang="en-US" b="1" dirty="0" smtClean="0"/>
-              <a:t>tatement</a:t>
-            </a:r>
-            <a:r>
-              <a:rPr lang="en-US" dirty="0" smtClean="0"/>
-              <a:t> is used to add new rows of data to a table in the database.</a:t>
-            </a:r>
-            <a:endParaRPr lang="en-IN" dirty="0">
-              <a:latin typeface="Palatino Linotype" panose="02040502050505030304" pitchFamily="18" charset="0"/>
-              <a:cs typeface="Arial" panose="020B0604020202020204" pitchFamily="34" charset="0"/>
-            </a:endParaRPr>
-          </a:p>
-        </p:txBody>
-      </p:sp>
       <p:pic>
         <p:nvPicPr>
-          <p:cNvPr id="18" name="Picture 17">
+          <p:cNvPr id="5" name="Picture 4">
             <a:extLst>
               <a:ext uri="{FF2B5EF4-FFF2-40B4-BE49-F238E27FC236}">
-                <a16:creationId xmlns:a16="http://schemas.microsoft.com/office/drawing/2014/main" xmlns="" id="{1BC29D4B-0260-49F9-9E5E-2135514E8A88}"/>
+                <a16:creationId xmlns:a16="http://schemas.microsoft.com/office/drawing/2014/main" xmlns="" id="{508B0317-559F-472C-B452-0762ADEBE614}"/>
               </a:ext>
             </a:extLst>
           </p:cNvPr>
@@ -6143,10 +5984,10 @@
       </p:pic>
       <p:sp>
         <p:nvSpPr>
-          <p:cNvPr id="19" name="Footer Placeholder 2">
+          <p:cNvPr id="8" name="Footer Placeholder 2">
             <a:extLst>
               <a:ext uri="{FF2B5EF4-FFF2-40B4-BE49-F238E27FC236}">
-                <a16:creationId xmlns:a16="http://schemas.microsoft.com/office/drawing/2014/main" xmlns="" id="{379BDE68-4144-4701-89F7-BDDAFF7975E1}"/>
+                <a16:creationId xmlns:a16="http://schemas.microsoft.com/office/drawing/2014/main" xmlns="" id="{1EE043BC-1C46-4295-BFAB-C88EC9A1E044}"/>
               </a:ext>
             </a:extLst>
           </p:cNvPr>
@@ -6273,9 +6114,186 @@
           </a:p>
         </p:txBody>
       </p:sp>
-      <p:sp>
-        <p:nvSpPr>
-          <p:cNvPr id="21" name="Rectangle 20">
+      <p:pic>
+        <p:nvPicPr>
+          <p:cNvPr id="3074" name="Picture 2"/>
+          <p:cNvPicPr>
+            <a:picLocks noChangeAspect="1" noChangeArrowheads="1"/>
+          </p:cNvPicPr>
+          <p:nvPr/>
+        </p:nvPicPr>
+        <p:blipFill>
+          <a:blip r:embed="rId3" cstate="print"/>
+          <a:srcRect/>
+          <a:stretch>
+            <a:fillRect/>
+          </a:stretch>
+        </p:blipFill>
+        <p:spPr bwMode="auto">
+          <a:xfrm>
+            <a:off x="6959302" y="1124744"/>
+            <a:ext cx="3312368" cy="5188189"/>
+          </a:xfrm>
+          <a:prstGeom prst="rect">
+            <a:avLst/>
+          </a:prstGeom>
+          <a:noFill/>
+          <a:ln w="9525">
+            <a:noFill/>
+            <a:miter lim="800000"/>
+            <a:headEnd/>
+            <a:tailEnd/>
+          </a:ln>
+        </p:spPr>
+      </p:pic>
+      <p:sp>
+        <p:nvSpPr>
+          <p:cNvPr id="10" name="Rectangle 9"/>
+          <p:cNvSpPr/>
+          <p:nvPr/>
+        </p:nvSpPr>
+        <p:spPr>
+          <a:xfrm>
+            <a:off x="550590" y="1124744"/>
+            <a:ext cx="6092825" cy="4801314"/>
+          </a:xfrm>
+          <a:prstGeom prst="rect">
+            <a:avLst/>
+          </a:prstGeom>
+        </p:spPr>
+        <p:txBody>
+          <a:bodyPr>
+            <a:spAutoFit/>
+          </a:bodyPr>
+          <a:lstStyle/>
+          <a:p>
+            <a:r>
+              <a:rPr lang="en-US" dirty="0" smtClean="0"/>
+              <a:t>CREATE TABLE student (  </a:t>
+            </a:r>
+          </a:p>
+          <a:p>
+            <a:r>
+              <a:rPr lang="en-US" dirty="0" smtClean="0"/>
+              <a:t>   ID INT(11) PRIMARY KEY,</a:t>
+            </a:r>
+          </a:p>
+          <a:p>
+            <a:r>
+              <a:rPr lang="en-US" dirty="0" smtClean="0"/>
+              <a:t>   firstName VARCHAR(45),</a:t>
+            </a:r>
+          </a:p>
+          <a:p>
+            <a:r>
+              <a:rPr lang="en-US" dirty="0" smtClean="0"/>
+              <a:t>   lastName VARCHAR(45),</a:t>
+            </a:r>
+          </a:p>
+          <a:p>
+            <a:r>
+              <a:rPr lang="en-US" dirty="0" smtClean="0"/>
+              <a:t>   DoB DATE,</a:t>
+            </a:r>
+          </a:p>
+          <a:p>
+            <a:r>
+              <a:rPr lang="en-US" dirty="0" smtClean="0"/>
+              <a:t>   emailID VARCHAR(145)</a:t>
+            </a:r>
+          </a:p>
+          <a:p>
+            <a:r>
+              <a:rPr lang="en-US" dirty="0" smtClean="0"/>
+              <a:t> );  </a:t>
+            </a:r>
+          </a:p>
+          <a:p>
+            <a:endParaRPr lang="en-US" dirty="0" smtClean="0"/>
+          </a:p>
+          <a:p>
+            <a:endParaRPr lang="en-US" dirty="0" smtClean="0"/>
+          </a:p>
+          <a:p>
+            <a:endParaRPr lang="en-US" dirty="0" smtClean="0"/>
+          </a:p>
+          <a:p>
+            <a:endParaRPr lang="en-US" dirty="0" smtClean="0"/>
+          </a:p>
+          <a:p>
+            <a:r>
+              <a:rPr lang="en-US" dirty="0" smtClean="0"/>
+              <a:t>CREATE TABLE student_hobbies (  </a:t>
+            </a:r>
+          </a:p>
+          <a:p>
+            <a:r>
+              <a:rPr lang="en-US" dirty="0" smtClean="0"/>
+              <a:t>   ID INT PRIMARY KEY,  </a:t>
+            </a:r>
+          </a:p>
+          <a:p>
+            <a:r>
+              <a:rPr lang="en-US" dirty="0" smtClean="0"/>
+              <a:t>   studentID INT,</a:t>
+            </a:r>
+          </a:p>
+          <a:p>
+            <a:r>
+              <a:rPr lang="en-US" dirty="0" smtClean="0"/>
+              <a:t>   name VARCHAR(45),</a:t>
+            </a:r>
+          </a:p>
+          <a:p>
+            <a:r>
+              <a:rPr lang="en-US" dirty="0" smtClean="0"/>
+              <a:t>   FOREIGN KEY (studentID)   REFERENCES student(ID)</a:t>
+            </a:r>
+          </a:p>
+          <a:p>
+            <a:r>
+              <a:rPr lang="en-US" dirty="0" smtClean="0"/>
+              <a:t>);</a:t>
+            </a:r>
+            <a:endParaRPr lang="en-US" dirty="0"/>
+          </a:p>
+        </p:txBody>
+      </p:sp>
+      <p:sp>
+        <p:nvSpPr>
+          <p:cNvPr id="7" name="Rectangle 6"/>
+          <p:cNvSpPr/>
+          <p:nvPr/>
+        </p:nvSpPr>
+        <p:spPr>
+          <a:xfrm>
+            <a:off x="11755679" y="0"/>
+            <a:ext cx="434734" cy="369332"/>
+          </a:xfrm>
+          <a:prstGeom prst="rect">
+            <a:avLst/>
+          </a:prstGeom>
+        </p:spPr>
+        <p:txBody>
+          <a:bodyPr wrap="none">
+            <a:spAutoFit/>
+          </a:bodyPr>
+          <a:lstStyle/>
+          <a:p>
+            <a:r>
+              <a:rPr lang="en-IN" dirty="0" smtClean="0">
+                <a:latin typeface="Segoe UI Light" panose="020B0502040204020203" pitchFamily="34" charset="0"/>
+                <a:cs typeface="Segoe UI Light" panose="020B0502040204020203" pitchFamily="34" charset="0"/>
+              </a:rPr>
+              <a:t>(9)</a:t>
+            </a:r>
+            <a:endParaRPr lang="en-US" dirty="0"/>
+          </a:p>
+        </p:txBody>
+      </p:sp>
+      <p:sp>
+        <p:nvSpPr>
+          <p:cNvPr id="11" name="Rectangle 10">
             <a:extLst>
               <a:ext uri="{FF2B5EF4-FFF2-40B4-BE49-F238E27FC236}">
                 <a16:creationId xmlns:a16="http://schemas.microsoft.com/office/drawing/2014/main" xmlns="" id="{09A4DD51-F450-4FA7-BA18-C2A26D10D72C}"/>
@@ -6310,6 +6328,322 @@
             </a:pPr>
             <a:r>
               <a:rPr lang="en-US" sz="3600" dirty="0" smtClean="0"/>
+              <a:t>Examples </a:t>
+            </a:r>
+            <a:r>
+              <a:rPr lang="en-US" sz="3600" dirty="0" smtClean="0"/>
+              <a:t>of </a:t>
+            </a:r>
+            <a:r>
+              <a:rPr lang="en-US" sz="3600" dirty="0" smtClean="0"/>
+              <a:t>Foreign </a:t>
+            </a:r>
+            <a:r>
+              <a:rPr lang="en-US" sz="3600" dirty="0" smtClean="0"/>
+              <a:t>Key</a:t>
+            </a:r>
+            <a:endParaRPr lang="en-US" sz="3600" dirty="0"/>
+          </a:p>
+        </p:txBody>
+      </p:sp>
+    </p:spTree>
+    <p:extLst>
+      <p:ext uri="{BB962C8B-B14F-4D97-AF65-F5344CB8AC3E}">
+        <p14:creationId xmlns:p14="http://schemas.microsoft.com/office/powerpoint/2010/main" xmlns="" val="2216512537"/>
+      </p:ext>
+    </p:extLst>
+  </p:cSld>
+  <p:clrMapOvr>
+    <a:masterClrMapping/>
+  </p:clrMapOvr>
+  <p:timing>
+    <p:tnLst>
+      <p:par>
+        <p:cTn id="1" dur="indefinite" restart="never" nodeType="tmRoot"/>
+      </p:par>
+    </p:tnLst>
+  </p:timing>
+</p:sld>
+</file>
+
+<file path=ppt/slides/slide6.xml><?xml version="1.0" encoding="utf-8"?>
+<p:sld xmlns:a="http://schemas.openxmlformats.org/drawingml/2006/main" xmlns:r="http://schemas.openxmlformats.org/officeDocument/2006/relationships" xmlns:p="http://schemas.openxmlformats.org/presentationml/2006/main">
+  <p:cSld>
+    <p:spTree>
+      <p:nvGrpSpPr>
+        <p:cNvPr id="1" name=""/>
+        <p:cNvGrpSpPr/>
+        <p:nvPr/>
+      </p:nvGrpSpPr>
+      <p:grpSpPr>
+        <a:xfrm>
+          <a:off x="0" y="0"/>
+          <a:ext cx="0" cy="0"/>
+          <a:chOff x="0" y="0"/>
+          <a:chExt cx="0" cy="0"/>
+        </a:xfrm>
+      </p:grpSpPr>
+      <p:sp>
+        <p:nvSpPr>
+          <p:cNvPr id="5" name="Rectangle 4"/>
+          <p:cNvSpPr/>
+          <p:nvPr/>
+        </p:nvSpPr>
+        <p:spPr>
+          <a:xfrm>
+            <a:off x="358716" y="899428"/>
+            <a:ext cx="9281562" cy="369332"/>
+          </a:xfrm>
+          <a:prstGeom prst="rect">
+            <a:avLst/>
+          </a:prstGeom>
+        </p:spPr>
+        <p:txBody>
+          <a:bodyPr wrap="square">
+            <a:spAutoFit/>
+          </a:bodyPr>
+          <a:lstStyle/>
+          <a:p>
+            <a:r>
+              <a:rPr lang="en-US" dirty="0" smtClean="0"/>
+              <a:t>The </a:t>
+            </a:r>
+            <a:r>
+              <a:rPr lang="en-US" b="1" dirty="0" smtClean="0"/>
+              <a:t>INSERT</a:t>
+            </a:r>
+            <a:r>
+              <a:rPr lang="en-US" dirty="0" smtClean="0"/>
+              <a:t> </a:t>
+            </a:r>
+            <a:r>
+              <a:rPr lang="en-US" b="1" dirty="0" smtClean="0"/>
+              <a:t>INTO</a:t>
+            </a:r>
+            <a:r>
+              <a:rPr lang="en-US" dirty="0" smtClean="0"/>
+              <a:t> s</a:t>
+            </a:r>
+            <a:r>
+              <a:rPr lang="en-US" b="1" dirty="0" smtClean="0"/>
+              <a:t>tatement</a:t>
+            </a:r>
+            <a:r>
+              <a:rPr lang="en-US" dirty="0" smtClean="0"/>
+              <a:t> is used to add new rows of data to a table in the database.</a:t>
+            </a:r>
+            <a:endParaRPr lang="en-IN" dirty="0">
+              <a:latin typeface="Palatino Linotype" panose="02040502050505030304" pitchFamily="18" charset="0"/>
+              <a:cs typeface="Arial" panose="020B0604020202020204" pitchFamily="34" charset="0"/>
+            </a:endParaRPr>
+          </a:p>
+        </p:txBody>
+      </p:sp>
+      <p:pic>
+        <p:nvPicPr>
+          <p:cNvPr id="18" name="Picture 17">
+            <a:extLst>
+              <a:ext uri="{FF2B5EF4-FFF2-40B4-BE49-F238E27FC236}">
+                <a16:creationId xmlns="" xmlns:a16="http://schemas.microsoft.com/office/drawing/2014/main" id="{1BC29D4B-0260-49F9-9E5E-2135514E8A88}"/>
+              </a:ext>
+            </a:extLst>
+          </p:cNvPr>
+          <p:cNvPicPr>
+            <a:picLocks noChangeAspect="1"/>
+          </p:cNvPicPr>
+          <p:nvPr/>
+        </p:nvPicPr>
+        <p:blipFill>
+          <a:blip r:embed="rId2" cstate="print">
+            <a:extLst>
+              <a:ext uri="{28A0092B-C50C-407E-A947-70E740481C1C}">
+                <a14:useLocalDpi xmlns="" xmlns:a14="http://schemas.microsoft.com/office/drawing/2010/main" val="0"/>
+              </a:ext>
+            </a:extLst>
+          </a:blip>
+          <a:stretch>
+            <a:fillRect/>
+          </a:stretch>
+        </p:blipFill>
+        <p:spPr>
+          <a:xfrm>
+            <a:off x="118542" y="116632"/>
+            <a:ext cx="1371859" cy="445150"/>
+          </a:xfrm>
+          <a:prstGeom prst="rect">
+            <a:avLst/>
+          </a:prstGeom>
+        </p:spPr>
+      </p:pic>
+      <p:sp>
+        <p:nvSpPr>
+          <p:cNvPr id="19" name="Footer Placeholder 2">
+            <a:extLst>
+              <a:ext uri="{FF2B5EF4-FFF2-40B4-BE49-F238E27FC236}">
+                <a16:creationId xmlns="" xmlns:a16="http://schemas.microsoft.com/office/drawing/2014/main" id="{379BDE68-4144-4701-89F7-BDDAFF7975E1}"/>
+              </a:ext>
+            </a:extLst>
+          </p:cNvPr>
+          <p:cNvSpPr txBox="1">
+            <a:spLocks/>
+          </p:cNvSpPr>
+          <p:nvPr/>
+        </p:nvSpPr>
+        <p:spPr>
+          <a:xfrm>
+            <a:off x="3237431" y="6523037"/>
+            <a:ext cx="5400600" cy="365125"/>
+          </a:xfrm>
+          <a:prstGeom prst="rect">
+            <a:avLst/>
+          </a:prstGeom>
+        </p:spPr>
+        <p:txBody>
+          <a:bodyPr/>
+          <a:lstStyle>
+            <a:defPPr>
+              <a:defRPr lang="en-US"/>
+            </a:defPPr>
+            <a:lvl1pPr marL="0" algn="l" defTabSz="914400" rtl="0" eaLnBrk="1" latinLnBrk="0" hangingPunct="1">
+              <a:defRPr sz="1050" kern="1200">
+                <a:solidFill>
+                  <a:schemeClr val="tx1"/>
+                </a:solidFill>
+                <a:latin typeface="+mn-lt"/>
+                <a:ea typeface="+mn-ea"/>
+                <a:cs typeface="+mn-cs"/>
+              </a:defRPr>
+            </a:lvl1pPr>
+            <a:lvl2pPr marL="457200" algn="l" defTabSz="914400" rtl="0" eaLnBrk="1" latinLnBrk="0" hangingPunct="1">
+              <a:defRPr sz="1800" kern="1200">
+                <a:solidFill>
+                  <a:schemeClr val="tx1"/>
+                </a:solidFill>
+                <a:latin typeface="+mn-lt"/>
+                <a:ea typeface="+mn-ea"/>
+                <a:cs typeface="+mn-cs"/>
+              </a:defRPr>
+            </a:lvl2pPr>
+            <a:lvl3pPr marL="914400" algn="l" defTabSz="914400" rtl="0" eaLnBrk="1" latinLnBrk="0" hangingPunct="1">
+              <a:defRPr sz="1800" kern="1200">
+                <a:solidFill>
+                  <a:schemeClr val="tx1"/>
+                </a:solidFill>
+                <a:latin typeface="+mn-lt"/>
+                <a:ea typeface="+mn-ea"/>
+                <a:cs typeface="+mn-cs"/>
+              </a:defRPr>
+            </a:lvl3pPr>
+            <a:lvl4pPr marL="1371600" algn="l" defTabSz="914400" rtl="0" eaLnBrk="1" latinLnBrk="0" hangingPunct="1">
+              <a:defRPr sz="1800" kern="1200">
+                <a:solidFill>
+                  <a:schemeClr val="tx1"/>
+                </a:solidFill>
+                <a:latin typeface="+mn-lt"/>
+                <a:ea typeface="+mn-ea"/>
+                <a:cs typeface="+mn-cs"/>
+              </a:defRPr>
+            </a:lvl4pPr>
+            <a:lvl5pPr marL="1828800" algn="l" defTabSz="914400" rtl="0" eaLnBrk="1" latinLnBrk="0" hangingPunct="1">
+              <a:defRPr sz="1800" kern="1200">
+                <a:solidFill>
+                  <a:schemeClr val="tx1"/>
+                </a:solidFill>
+                <a:latin typeface="+mn-lt"/>
+                <a:ea typeface="+mn-ea"/>
+                <a:cs typeface="+mn-cs"/>
+              </a:defRPr>
+            </a:lvl5pPr>
+            <a:lvl6pPr marL="2286000" algn="l" defTabSz="914400" rtl="0" eaLnBrk="1" latinLnBrk="0" hangingPunct="1">
+              <a:defRPr sz="1800" kern="1200">
+                <a:solidFill>
+                  <a:schemeClr val="tx1"/>
+                </a:solidFill>
+                <a:latin typeface="+mn-lt"/>
+                <a:ea typeface="+mn-ea"/>
+                <a:cs typeface="+mn-cs"/>
+              </a:defRPr>
+            </a:lvl6pPr>
+            <a:lvl7pPr marL="2743200" algn="l" defTabSz="914400" rtl="0" eaLnBrk="1" latinLnBrk="0" hangingPunct="1">
+              <a:defRPr sz="1800" kern="1200">
+                <a:solidFill>
+                  <a:schemeClr val="tx1"/>
+                </a:solidFill>
+                <a:latin typeface="+mn-lt"/>
+                <a:ea typeface="+mn-ea"/>
+                <a:cs typeface="+mn-cs"/>
+              </a:defRPr>
+            </a:lvl7pPr>
+            <a:lvl8pPr marL="3200400" algn="l" defTabSz="914400" rtl="0" eaLnBrk="1" latinLnBrk="0" hangingPunct="1">
+              <a:defRPr sz="1800" kern="1200">
+                <a:solidFill>
+                  <a:schemeClr val="tx1"/>
+                </a:solidFill>
+                <a:latin typeface="+mn-lt"/>
+                <a:ea typeface="+mn-ea"/>
+                <a:cs typeface="+mn-cs"/>
+              </a:defRPr>
+            </a:lvl8pPr>
+            <a:lvl9pPr marL="3657600" algn="l" defTabSz="914400" rtl="0" eaLnBrk="1" latinLnBrk="0" hangingPunct="1">
+              <a:defRPr sz="1800" kern="1200">
+                <a:solidFill>
+                  <a:schemeClr val="tx1"/>
+                </a:solidFill>
+                <a:latin typeface="+mn-lt"/>
+                <a:ea typeface="+mn-ea"/>
+                <a:cs typeface="+mn-cs"/>
+              </a:defRPr>
+            </a:lvl9pPr>
+          </a:lstStyle>
+          <a:p>
+            <a:r>
+              <a:rPr lang="en-US" dirty="0"/>
+              <a:t>Infoway Technologies, 3rd  Floor Commerce Centre, Rambaug Colony, Paud Road Pune 411038</a:t>
+            </a:r>
+            <a:endParaRPr lang="en-IN" dirty="0"/>
+          </a:p>
+          <a:p>
+            <a:endParaRPr lang="en-US" dirty="0"/>
+          </a:p>
+        </p:txBody>
+      </p:sp>
+      <p:sp>
+        <p:nvSpPr>
+          <p:cNvPr id="21" name="Rectangle 20">
+            <a:extLst>
+              <a:ext uri="{FF2B5EF4-FFF2-40B4-BE49-F238E27FC236}">
+                <a16:creationId xmlns="" xmlns:a16="http://schemas.microsoft.com/office/drawing/2014/main" id="{09A4DD51-F450-4FA7-BA18-C2A26D10D72C}"/>
+              </a:ext>
+            </a:extLst>
+          </p:cNvPr>
+          <p:cNvSpPr/>
+          <p:nvPr/>
+        </p:nvSpPr>
+        <p:spPr>
+          <a:xfrm>
+            <a:off x="1523802" y="2"/>
+            <a:ext cx="9142810" cy="837473"/>
+          </a:xfrm>
+          <a:prstGeom prst="rect">
+            <a:avLst/>
+          </a:prstGeom>
+          <a:solidFill>
+            <a:schemeClr val="bg1"/>
+          </a:solidFill>
+        </p:spPr>
+        <p:txBody>
+          <a:bodyPr wrap="square">
+            <a:spAutoFit/>
+          </a:bodyPr>
+          <a:lstStyle/>
+          <a:p>
+            <a:pPr algn="r" fontAlgn="base">
+              <a:lnSpc>
+                <a:spcPct val="150000"/>
+              </a:lnSpc>
+            </a:pPr>
+            <a:r>
+              <a:rPr lang="en-US" sz="3600" dirty="0" smtClean="0"/>
               <a:t>INSERT</a:t>
             </a:r>
             <a:endParaRPr lang="en-US" sz="3600" dirty="0"/>
@@ -6481,7 +6815,7 @@
     </p:spTree>
     <p:extLst>
       <p:ext uri="{BB962C8B-B14F-4D97-AF65-F5344CB8AC3E}">
-        <p14:creationId xmlns:p14="http://schemas.microsoft.com/office/powerpoint/2010/main" xmlns="" val="3166758523"/>
+        <p14:creationId xmlns="" xmlns:p14="http://schemas.microsoft.com/office/powerpoint/2010/main" val="3166758523"/>
       </p:ext>
     </p:extLst>
   </p:cSld>
